--- a/cybersecurity-iacs/slides/delivery/02__About-Cyber-IACS.pptx
+++ b/cybersecurity-iacs/slides/delivery/02__About-Cyber-IACS.pptx
@@ -1,28 +1,28 @@
 
 <file path=ppt/presentation.xml><?xml version="1.0" encoding="utf-8"?>
-<p:presentation xmlns:a="http://schemas.openxmlformats.org/drawingml/2006/main" xmlns:r="http://schemas.openxmlformats.org/officeDocument/2006/relationships" xmlns:p="http://schemas.openxmlformats.org/presentationml/2006/main" showSpecialPlsOnTitleSld="0" autoCompressPictures="0">
+<p:presentation xmlns:a="http://schemas.openxmlformats.org/drawingml/2006/main" xmlns:r="http://schemas.openxmlformats.org/officeDocument/2006/relationships" xmlns:p="http://schemas.openxmlformats.org/presentationml/2006/main" showSpecialPlsOnTitleSld="0" saveSubsetFonts="1" autoCompressPictures="0">
   <p:sldMasterIdLst>
-    <p:sldMasterId id="2147483648" r:id="rId1"/>
+    <p:sldMasterId id="2147483651" r:id="rId1"/>
   </p:sldMasterIdLst>
   <p:notesMasterIdLst>
-    <p:notesMasterId r:id="rId10"/>
+    <p:notesMasterId r:id="rId2"/>
   </p:notesMasterIdLst>
   <p:handoutMasterIdLst>
-    <p:handoutMasterId r:id="rId14"/>
+    <p:handoutMasterId r:id="rId3"/>
   </p:handoutMasterIdLst>
   <p:sldIdLst>
-    <p:sldId id="256" r:id="rId3"/>
-    <p:sldId id="257" r:id="rId4"/>
-    <p:sldId id="258" r:id="rId5"/>
-    <p:sldId id="259" r:id="rId6"/>
-    <p:sldId id="260" r:id="rId7"/>
-    <p:sldId id="261" r:id="rId8"/>
-    <p:sldId id="262" r:id="rId9"/>
-    <p:sldId id="263" r:id="rId11"/>
-    <p:sldId id="264" r:id="rId12"/>
-    <p:sldId id="265" r:id="rId13"/>
+    <p:sldId id="256" r:id="rId9"/>
+    <p:sldId id="257" r:id="rId10"/>
+    <p:sldId id="258" r:id="rId11"/>
+    <p:sldId id="259" r:id="rId12"/>
+    <p:sldId id="260" r:id="rId13"/>
+    <p:sldId id="261" r:id="rId14"/>
+    <p:sldId id="262" r:id="rId15"/>
+    <p:sldId id="263" r:id="rId16"/>
+    <p:sldId id="264" r:id="rId17"/>
+    <p:sldId id="265" r:id="rId18"/>
   </p:sldIdLst>
-  <p:sldSz cx="9372600" cy="8297545"/>
+  <p:sldSz cx="9372600" cy="8297863"/>
   <p:notesSz cx="7315200" cy="9601200"/>
   <p:defaultTextStyle>
     <a:defPPr>
@@ -40,8 +40,8 @@
           <a:schemeClr val="tx1"/>
         </a:solidFill>
         <a:latin typeface="Garamond" pitchFamily="18" charset="0"/>
-        <a:ea typeface="MS PGothic"/>
-        <a:cs typeface="MS PGothic"/>
+        <a:ea typeface="ＭＳ Ｐゴシック"/>
+        <a:cs typeface="ＭＳ Ｐゴシック"/>
       </a:defRPr>
     </a:lvl1pPr>
     <a:lvl2pPr marL="457200" algn="l" rtl="0" fontAlgn="base">
@@ -56,8 +56,8 @@
           <a:schemeClr val="tx1"/>
         </a:solidFill>
         <a:latin typeface="Garamond" pitchFamily="18" charset="0"/>
-        <a:ea typeface="MS PGothic"/>
-        <a:cs typeface="MS PGothic"/>
+        <a:ea typeface="ＭＳ Ｐゴシック"/>
+        <a:cs typeface="ＭＳ Ｐゴシック"/>
       </a:defRPr>
     </a:lvl2pPr>
     <a:lvl3pPr marL="914400" algn="l" rtl="0" fontAlgn="base">
@@ -72,8 +72,8 @@
           <a:schemeClr val="tx1"/>
         </a:solidFill>
         <a:latin typeface="Garamond" pitchFamily="18" charset="0"/>
-        <a:ea typeface="MS PGothic"/>
-        <a:cs typeface="MS PGothic"/>
+        <a:ea typeface="ＭＳ Ｐゴシック"/>
+        <a:cs typeface="ＭＳ Ｐゴシック"/>
       </a:defRPr>
     </a:lvl3pPr>
     <a:lvl4pPr marL="1371600" algn="l" rtl="0" fontAlgn="base">
@@ -88,8 +88,8 @@
           <a:schemeClr val="tx1"/>
         </a:solidFill>
         <a:latin typeface="Garamond" pitchFamily="18" charset="0"/>
-        <a:ea typeface="MS PGothic"/>
-        <a:cs typeface="MS PGothic"/>
+        <a:ea typeface="ＭＳ Ｐゴシック"/>
+        <a:cs typeface="ＭＳ Ｐゴシック"/>
       </a:defRPr>
     </a:lvl4pPr>
     <a:lvl5pPr marL="1828800" algn="l" rtl="0" fontAlgn="base">
@@ -104,8 +104,8 @@
           <a:schemeClr val="tx1"/>
         </a:solidFill>
         <a:latin typeface="Garamond" pitchFamily="18" charset="0"/>
-        <a:ea typeface="MS PGothic"/>
-        <a:cs typeface="MS PGothic"/>
+        <a:ea typeface="ＭＳ Ｐゴシック"/>
+        <a:cs typeface="ＭＳ Ｐゴシック"/>
       </a:defRPr>
     </a:lvl5pPr>
     <a:lvl6pPr marL="2286000" algn="l" defTabSz="914400" rtl="0" eaLnBrk="1" latinLnBrk="0" hangingPunct="1">
@@ -114,8 +114,8 @@
           <a:schemeClr val="tx1"/>
         </a:solidFill>
         <a:latin typeface="Garamond" pitchFamily="18" charset="0"/>
-        <a:ea typeface="MS PGothic"/>
-        <a:cs typeface="MS PGothic"/>
+        <a:ea typeface="ＭＳ Ｐゴシック"/>
+        <a:cs typeface="ＭＳ Ｐゴシック"/>
       </a:defRPr>
     </a:lvl6pPr>
     <a:lvl7pPr marL="2743200" algn="l" defTabSz="914400" rtl="0" eaLnBrk="1" latinLnBrk="0" hangingPunct="1">
@@ -124,8 +124,8 @@
           <a:schemeClr val="tx1"/>
         </a:solidFill>
         <a:latin typeface="Garamond" pitchFamily="18" charset="0"/>
-        <a:ea typeface="MS PGothic"/>
-        <a:cs typeface="MS PGothic"/>
+        <a:ea typeface="ＭＳ Ｐゴシック"/>
+        <a:cs typeface="ＭＳ Ｐゴシック"/>
       </a:defRPr>
     </a:lvl7pPr>
     <a:lvl8pPr marL="3200400" algn="l" defTabSz="914400" rtl="0" eaLnBrk="1" latinLnBrk="0" hangingPunct="1">
@@ -134,8 +134,8 @@
           <a:schemeClr val="tx1"/>
         </a:solidFill>
         <a:latin typeface="Garamond" pitchFamily="18" charset="0"/>
-        <a:ea typeface="MS PGothic"/>
-        <a:cs typeface="MS PGothic"/>
+        <a:ea typeface="ＭＳ Ｐゴシック"/>
+        <a:cs typeface="ＭＳ Ｐゴシック"/>
       </a:defRPr>
     </a:lvl8pPr>
     <a:lvl9pPr marL="3657600" algn="l" defTabSz="914400" rtl="0" eaLnBrk="1" latinLnBrk="0" hangingPunct="1">
@@ -144,11 +144,41 @@
           <a:schemeClr val="tx1"/>
         </a:solidFill>
         <a:latin typeface="Garamond" pitchFamily="18" charset="0"/>
-        <a:ea typeface="MS PGothic"/>
-        <a:cs typeface="MS PGothic"/>
+        <a:ea typeface="ＭＳ Ｐゴシック"/>
+        <a:cs typeface="ＭＳ Ｐゴシック"/>
       </a:defRPr>
     </a:lvl9pPr>
   </p:defaultTextStyle>
+  <p:extLst>
+    <p:ext uri="{EFAFB233-063F-42B5-8137-9DF3F51BA10A}">
+      <p15:sldGuideLst xmlns:p15="http://schemas.microsoft.com/office/powerpoint/2012/main">
+        <p15:guide id="1" orient="horz" pos="2614" userDrawn="1">
+          <p15:clr>
+            <a:srgbClr val="A4A3A4"/>
+          </p15:clr>
+        </p15:guide>
+        <p15:guide id="2" pos="2952" userDrawn="1">
+          <p15:clr>
+            <a:srgbClr val="A4A3A4"/>
+          </p15:clr>
+        </p15:guide>
+      </p15:sldGuideLst>
+    </p:ext>
+    <p:ext uri="{2D200454-40CA-4A62-9FC3-DE9A4176ACB9}">
+      <p15:notesGuideLst xmlns:p15="http://schemas.microsoft.com/office/powerpoint/2012/main">
+        <p15:guide id="1" orient="horz" pos="3024">
+          <p15:clr>
+            <a:srgbClr val="A4A3A4"/>
+          </p15:clr>
+        </p15:guide>
+        <p15:guide id="2" pos="2308">
+          <p15:clr>
+            <a:srgbClr val="A4A3A4"/>
+          </p15:clr>
+        </p15:guide>
+      </p15:notesGuideLst>
+    </p:ext>
+  </p:extLst>
 </p:presentation>
 </file>
 
@@ -158,7 +188,9 @@
   <p:cmAuthor id="2" name="Mark Kerzner" initials="MK" lastIdx="6" clrIdx="1"/>
   <p:cmAuthor id="3" name="Mary Beth Conlee" initials="MBC" lastIdx="7" clrIdx="2"/>
   <p:cmAuthor id="4" name="Michelle" initials="M" lastIdx="5" clrIdx="3"/>
-  <p:cmAuthor id="5" name="Tricia Murphy" initials="TM" lastIdx="4" clrIdx="4"/>
+  <p:cmAuthor id="5" name="Tricia Murphy" initials="TM" lastIdx="4" clrIdx="4">
+    <p:extLst/>
+  </p:cmAuthor>
 </p:cmAuthorLst>
 </file>
 
@@ -209,14 +241,20 @@
           <a:ln w="9525">
             <a:noFill/>
             <a:miter lim="800000"/>
+            <a:headEnd/>
+            <a:tailEnd/>
           </a:ln>
         </p:spPr>
         <p:txBody>
-          <a:bodyPr vert="horz" wrap="square" lIns="96603" tIns="48303" rIns="96603" bIns="48303" numCol="1" anchor="b" anchorCtr="0" compatLnSpc="1"/>
+          <a:bodyPr vert="horz" wrap="square" lIns="96603" tIns="48303" rIns="96603" bIns="48303" numCol="1" anchor="b" anchorCtr="0" compatLnSpc="1">
+            <a:prstTxWarp prst="textNoShape">
+              <a:avLst/>
+            </a:prstTxWarp>
+          </a:bodyPr>
           <a:lstStyle>
             <a:lvl1pPr defTabSz="965200">
               <a:defRPr sz="1200">
-                <a:latin typeface="Times New Roman" panose="02020603050405020304" pitchFamily="-110" charset="0"/>
+                <a:latin typeface="Times New Roman" pitchFamily="18" charset="0"/>
               </a:defRPr>
             </a:lvl1pPr>
           </a:lstStyle>
@@ -228,7 +266,6 @@
               <a:rPr lang="en-US" dirty="0"/>
               <a:t>Copyright © 2017 Elephant Scale. All rights reserved.</a:t>
             </a:r>
-            <a:endParaRPr lang="en-US" dirty="0"/>
           </a:p>
         </p:txBody>
       </p:sp>
@@ -254,14 +291,20 @@
           <a:ln w="9525">
             <a:noFill/>
             <a:miter lim="800000"/>
+            <a:headEnd/>
+            <a:tailEnd/>
           </a:ln>
         </p:spPr>
         <p:txBody>
-          <a:bodyPr vert="horz" wrap="square" lIns="96603" tIns="48303" rIns="96603" bIns="48303" numCol="1" anchor="b" anchorCtr="0" compatLnSpc="1"/>
+          <a:bodyPr vert="horz" wrap="square" lIns="96603" tIns="48303" rIns="96603" bIns="48303" numCol="1" anchor="b" anchorCtr="0" compatLnSpc="1">
+            <a:prstTxWarp prst="textNoShape">
+              <a:avLst/>
+            </a:prstTxWarp>
+          </a:bodyPr>
           <a:lstStyle>
             <a:lvl1pPr algn="r" defTabSz="965200">
               <a:defRPr sz="1200">
-                <a:latin typeface="Times New Roman" panose="02020603050405020304" pitchFamily="-110" charset="0"/>
+                <a:latin typeface="Times New Roman" pitchFamily="18" charset="0"/>
               </a:defRPr>
             </a:lvl1pPr>
           </a:lstStyle>
@@ -271,12 +314,21 @@
             </a:pPr>
             <a:fld id="{97E62689-8C7D-4291-A094-4E689FEC4C3B}" type="slidenum">
               <a:rPr lang="en-US"/>
+              <a:pPr>
+                <a:defRPr/>
+              </a:pPr>
+              <a:t>‹#›</a:t>
             </a:fld>
             <a:endParaRPr lang="en-US" dirty="0"/>
           </a:p>
         </p:txBody>
       </p:sp>
     </p:spTree>
+    <p:extLst>
+      <p:ext uri="{BB962C8B-B14F-4D97-AF65-F5344CB8AC3E}">
+        <p14:creationId xmlns:p14="http://schemas.microsoft.com/office/powerpoint/2010/main" val="3239291525"/>
+      </p:ext>
+    </p:extLst>
   </p:cSld>
   <p:clrMap bg1="lt1" tx1="dk1" bg2="lt2" tx2="dk2" accent1="accent1" accent2="accent2" accent3="accent3" accent4="accent4" accent5="accent5" accent6="accent6" hlink="hlink" folHlink="folHlink"/>
   <p:hf hdr="0" ftr="0" dt="0"/>
@@ -332,6 +384,8 @@
               <a:srgbClr val="000000"/>
             </a:solidFill>
             <a:miter lim="800000"/>
+            <a:headEnd/>
+            <a:tailEnd/>
           </a:ln>
         </p:spPr>
       </p:sp>
@@ -357,15 +411,21 @@
           <a:ln w="9525">
             <a:noFill/>
             <a:miter lim="800000"/>
+            <a:headEnd/>
+            <a:tailEnd/>
           </a:ln>
           <a:effectLst/>
         </p:spPr>
         <p:txBody>
-          <a:bodyPr vert="horz" wrap="square" lIns="0" tIns="0" rIns="0" bIns="0" numCol="1" anchor="b" anchorCtr="1" compatLnSpc="1"/>
+          <a:bodyPr vert="horz" wrap="square" lIns="0" tIns="0" rIns="0" bIns="0" numCol="1" anchor="b" anchorCtr="1" compatLnSpc="1">
+            <a:prstTxWarp prst="textNoShape">
+              <a:avLst/>
+            </a:prstTxWarp>
+          </a:bodyPr>
           <a:lstStyle>
             <a:lvl1pPr algn="ctr" defTabSz="965200" eaLnBrk="0" hangingPunct="0">
               <a:defRPr sz="900">
-                <a:latin typeface="Arial" panose="020B0604020202020204" pitchFamily="34" charset="0"/>
+                <a:latin typeface="Arial" charset="0"/>
               </a:defRPr>
             </a:lvl1pPr>
           </a:lstStyle>
@@ -377,7 +437,6 @@
               <a:rPr lang="en-US" dirty="0"/>
               <a:t>Copyright © 2017 Elephant Scale. All rights reserved.</a:t>
             </a:r>
-            <a:endParaRPr lang="en-US" dirty="0"/>
           </a:p>
         </p:txBody>
       </p:sp>
@@ -403,15 +462,21 @@
           <a:ln w="9525">
             <a:noFill/>
             <a:miter lim="800000"/>
+            <a:headEnd/>
+            <a:tailEnd/>
           </a:ln>
           <a:effectLst/>
         </p:spPr>
         <p:txBody>
-          <a:bodyPr vert="horz" wrap="square" lIns="0" tIns="0" rIns="0" bIns="0" numCol="1" anchor="b" anchorCtr="0" compatLnSpc="1"/>
+          <a:bodyPr vert="horz" wrap="square" lIns="0" tIns="0" rIns="0" bIns="0" numCol="1" anchor="b" anchorCtr="0" compatLnSpc="1">
+            <a:prstTxWarp prst="textNoShape">
+              <a:avLst/>
+            </a:prstTxWarp>
+          </a:bodyPr>
           <a:lstStyle>
             <a:lvl1pPr algn="r" defTabSz="965200" eaLnBrk="0" hangingPunct="0">
               <a:defRPr b="1">
-                <a:latin typeface="Arial" panose="020B0604020202020204" pitchFamily="34" charset="0"/>
+                <a:latin typeface="Arial" charset="0"/>
               </a:defRPr>
             </a:lvl1pPr>
           </a:lstStyle>
@@ -421,6 +486,10 @@
             </a:pPr>
             <a:fld id="{EFAADD5D-AF76-45EE-AA5F-6DAC73BF167A}" type="slidenum">
               <a:rPr lang="en-US"/>
+              <a:pPr>
+                <a:defRPr/>
+              </a:pPr>
+              <a:t>‹#›</a:t>
             </a:fld>
             <a:endParaRPr lang="en-US" dirty="0"/>
           </a:p>
@@ -446,26 +515,24 @@
           <a:ln w="9525">
             <a:noFill/>
             <a:miter lim="800000"/>
+            <a:headEnd/>
+            <a:tailEnd/>
           </a:ln>
         </p:spPr>
         <p:txBody>
           <a:bodyPr wrap="none" lIns="96386" tIns="48194" rIns="96386" bIns="48194"/>
           <a:lstStyle/>
           <a:p>
-            <a:pPr defTabSz="960755">
+            <a:pPr defTabSz="960438">
               <a:defRPr/>
             </a:pPr>
             <a:r>
               <a:rPr lang="en-US" sz="1200" b="1" u="sng" dirty="0">
-                <a:latin typeface="Times New Roman" panose="02020603050405020304" pitchFamily="-110" charset="0"/>
-                <a:cs typeface="Times New Roman" panose="02020603050405020304" pitchFamily="-110" charset="0"/>
+                <a:latin typeface="Times New Roman" pitchFamily="18" charset="0"/>
+                <a:cs typeface="Times New Roman" pitchFamily="18" charset="0"/>
               </a:rPr>
               <a:t>Notes:</a:t>
             </a:r>
-            <a:endParaRPr lang="en-US" sz="1200" b="1" u="sng" dirty="0">
-              <a:latin typeface="Times New Roman" panose="02020603050405020304" pitchFamily="-110" charset="0"/>
-              <a:cs typeface="Times New Roman" panose="02020603050405020304" pitchFamily="-110" charset="0"/>
-            </a:endParaRPr>
           </a:p>
         </p:txBody>
       </p:sp>
@@ -491,10 +558,16 @@
           <a:ln w="9525">
             <a:noFill/>
             <a:miter lim="800000"/>
+            <a:headEnd/>
+            <a:tailEnd/>
           </a:ln>
         </p:spPr>
         <p:txBody>
-          <a:bodyPr vert="horz" wrap="square" lIns="91537" tIns="45768" rIns="91537" bIns="45768" numCol="1" anchor="t" anchorCtr="0" compatLnSpc="1"/>
+          <a:bodyPr vert="horz" wrap="square" lIns="91537" tIns="45768" rIns="91537" bIns="45768" numCol="1" anchor="t" anchorCtr="0" compatLnSpc="1">
+            <a:prstTxWarp prst="textNoShape">
+              <a:avLst/>
+            </a:prstTxWarp>
+          </a:bodyPr>
           <a:lstStyle/>
           <a:p>
             <a:pPr lvl="0"/>
@@ -524,6 +597,8 @@
               <a:srgbClr val="000000"/>
             </a:solidFill>
             <a:round/>
+            <a:headEnd/>
+            <a:tailEnd/>
           </a:ln>
           <a:effectLst/>
         </p:spPr>
@@ -538,7 +613,7 @@
               <a:defRPr/>
             </a:pPr>
             <a:endParaRPr lang="en-US" dirty="0">
-              <a:latin typeface="Garamond" pitchFamily="18" charset="0"/>
+              <a:latin typeface="Garamond" pitchFamily="-110" charset="0"/>
               <a:ea typeface="+mn-ea"/>
               <a:cs typeface="+mn-cs"/>
             </a:endParaRPr>
@@ -546,6 +621,11 @@
         </p:txBody>
       </p:sp>
     </p:spTree>
+    <p:extLst>
+      <p:ext uri="{BB962C8B-B14F-4D97-AF65-F5344CB8AC3E}">
+        <p14:creationId xmlns:p14="http://schemas.microsoft.com/office/powerpoint/2010/main" val="953744030"/>
+      </p:ext>
+    </p:extLst>
   </p:cSld>
   <p:clrMap bg1="lt1" tx1="dk1" bg2="lt2" tx2="dk2" accent1="accent1" accent2="accent2" accent3="accent3" accent4="accent4" accent5="accent5" accent6="accent6" hlink="hlink" folHlink="folHlink"/>
   <p:hf dt="0"/>
@@ -558,15 +638,15 @@
         <a:spcPct val="0"/>
       </a:spcAft>
       <a:buSzPct val="65000"/>
-      <a:buFont typeface="Wingdings" panose="05000000000000000000" pitchFamily="2" charset="2"/>
+      <a:buFont typeface="Wingdings" pitchFamily="2" charset="2"/>
       <a:buNone/>
       <a:defRPr sz="1200" kern="1200">
         <a:solidFill>
           <a:schemeClr val="tx1"/>
         </a:solidFill>
-        <a:latin typeface="Times New Roman" panose="02020603050405020304" pitchFamily="-110" charset="0"/>
-        <a:ea typeface="MS PGothic" pitchFamily="-110" charset="-128"/>
-        <a:cs typeface="MS PGothic" pitchFamily="-110" charset="-128"/>
+        <a:latin typeface="Times New Roman" pitchFamily="-110" charset="0"/>
+        <a:ea typeface="ＭＳ Ｐゴシック" pitchFamily="-110" charset="-128"/>
+        <a:cs typeface="ＭＳ Ｐゴシック" pitchFamily="-110" charset="-128"/>
       </a:defRPr>
     </a:lvl1pPr>
     <a:lvl2pPr marL="282575" indent="0" algn="l" rtl="0" eaLnBrk="0" fontAlgn="base" hangingPunct="0">
@@ -581,12 +661,12 @@
         <a:solidFill>
           <a:schemeClr val="tx1"/>
         </a:solidFill>
-        <a:latin typeface="Times New Roman" panose="02020603050405020304" pitchFamily="-110" charset="0"/>
-        <a:ea typeface="MS PGothic" pitchFamily="-110" charset="-128"/>
-        <a:cs typeface="MS PGothic"/>
+        <a:latin typeface="Times New Roman" pitchFamily="-110" charset="0"/>
+        <a:ea typeface="ＭＳ Ｐゴシック" pitchFamily="-110" charset="-128"/>
+        <a:cs typeface="ＭＳ Ｐゴシック"/>
       </a:defRPr>
     </a:lvl2pPr>
-    <a:lvl3pPr marL="744855" indent="-173355" algn="l" rtl="0" eaLnBrk="0" fontAlgn="base" hangingPunct="0">
+    <a:lvl3pPr marL="744538" indent="-173038" algn="l" rtl="0" eaLnBrk="0" fontAlgn="base" hangingPunct="0">
       <a:spcBef>
         <a:spcPct val="30000"/>
       </a:spcBef>
@@ -598,9 +678,9 @@
         <a:solidFill>
           <a:schemeClr val="tx1"/>
         </a:solidFill>
-        <a:latin typeface="Times New Roman" panose="02020603050405020304" pitchFamily="-110" charset="0"/>
-        <a:ea typeface="MS PGothic" pitchFamily="-110" charset="-128"/>
-        <a:cs typeface="MS PGothic"/>
+        <a:latin typeface="Times New Roman" pitchFamily="-110" charset="0"/>
+        <a:ea typeface="ＭＳ Ｐゴシック" pitchFamily="-110" charset="-128"/>
+        <a:cs typeface="ＭＳ Ｐゴシック"/>
       </a:defRPr>
     </a:lvl3pPr>
     <a:lvl4pPr marL="1600200" indent="-228600" algn="l" rtl="0" eaLnBrk="0" fontAlgn="base" hangingPunct="0">
@@ -614,9 +694,9 @@
         <a:solidFill>
           <a:schemeClr val="tx1"/>
         </a:solidFill>
-        <a:latin typeface="Times New Roman" panose="02020603050405020304" pitchFamily="-110" charset="0"/>
-        <a:ea typeface="MS PGothic" pitchFamily="-110" charset="-128"/>
-        <a:cs typeface="MS PGothic"/>
+        <a:latin typeface="Times New Roman" pitchFamily="-110" charset="0"/>
+        <a:ea typeface="ＭＳ Ｐゴシック" pitchFamily="-110" charset="-128"/>
+        <a:cs typeface="ＭＳ Ｐゴシック"/>
       </a:defRPr>
     </a:lvl4pPr>
     <a:lvl5pPr marL="2057400" indent="-228600" algn="l" rtl="0" eaLnBrk="0" fontAlgn="base" hangingPunct="0">
@@ -630,9 +710,9 @@
         <a:solidFill>
           <a:schemeClr val="tx1"/>
         </a:solidFill>
-        <a:latin typeface="Times New Roman" panose="02020603050405020304" pitchFamily="-110" charset="0"/>
-        <a:ea typeface="MS PGothic" pitchFamily="-110" charset="-128"/>
-        <a:cs typeface="MS PGothic"/>
+        <a:latin typeface="Times New Roman" pitchFamily="-110" charset="0"/>
+        <a:ea typeface="ＭＳ Ｐゴシック" pitchFamily="-110" charset="-128"/>
+        <a:cs typeface="ＭＳ Ｐゴシック"/>
       </a:defRPr>
     </a:lvl5pPr>
     <a:lvl6pPr marL="2286000" algn="l" defTabSz="457200" rtl="0" eaLnBrk="1" latinLnBrk="0" hangingPunct="1">
@@ -680,7 +760,7 @@
 </file>
 
 <file path=ppt/notesSlides/notesSlide1.xml><?xml version="1.0" encoding="utf-8"?>
-<p:notes xmlns:a="http://schemas.openxmlformats.org/drawingml/2006/main" xmlns:r="http://schemas.openxmlformats.org/officeDocument/2006/relationships" xmlns:p="http://schemas.openxmlformats.org/presentationml/2006/main">
+<p:notes xmlns:a="http://schemas.openxmlformats.org/drawingml/2006/main" xmlns:p="http://schemas.openxmlformats.org/presentationml/2006/main" xmlns:r="http://schemas.openxmlformats.org/officeDocument/2006/relationships">
   <p:cSld>
     <p:spTree>
       <p:nvGrpSpPr>
@@ -715,7 +795,7 @@
             <a:spLocks noGrp="1"/>
           </p:cNvSpPr>
           <p:nvPr>
-            <p:ph type="sldNum" sz="quarter" idx="5"/>
+            <p:ph type="sldNum" idx="5" sz="quarter"/>
           </p:nvPr>
         </p:nvSpPr>
         <p:spPr/>
@@ -727,7 +807,7 @@
             <a:spLocks noGrp="1"/>
           </p:cNvSpPr>
           <p:nvPr>
-            <p:ph type="body" sz="quarter" idx="3"/>
+            <p:ph type="body" idx="3" sz="quarter"/>
           </p:nvPr>
         </p:nvSpPr>
         <p:spPr/>
@@ -750,7 +830,7 @@
 </file>
 
 <file path=ppt/notesSlides/notesSlide2.xml><?xml version="1.0" encoding="utf-8"?>
-<p:notes xmlns:a="http://schemas.openxmlformats.org/drawingml/2006/main" xmlns:r="http://schemas.openxmlformats.org/officeDocument/2006/relationships" xmlns:p="http://schemas.openxmlformats.org/presentationml/2006/main">
+<p:notes xmlns:a="http://schemas.openxmlformats.org/drawingml/2006/main" xmlns:p="http://schemas.openxmlformats.org/presentationml/2006/main" xmlns:r="http://schemas.openxmlformats.org/officeDocument/2006/relationships">
   <p:cSld>
     <p:spTree>
       <p:nvGrpSpPr>
@@ -785,7 +865,7 @@
             <a:spLocks noGrp="1"/>
           </p:cNvSpPr>
           <p:nvPr>
-            <p:ph type="sldNum" sz="quarter" idx="5"/>
+            <p:ph type="sldNum" idx="5" sz="quarter"/>
           </p:nvPr>
         </p:nvSpPr>
         <p:spPr/>
@@ -797,7 +877,7 @@
             <a:spLocks noGrp="1"/>
           </p:cNvSpPr>
           <p:nvPr>
-            <p:ph type="body" sz="quarter" idx="3"/>
+            <p:ph type="body" idx="3" sz="quarter"/>
           </p:nvPr>
         </p:nvSpPr>
         <p:spPr/>
@@ -820,7 +900,7 @@
 </file>
 
 <file path=ppt/slideLayouts/slideLayout1.xml><?xml version="1.0" encoding="utf-8"?>
-<p:sldLayout xmlns:a="http://schemas.openxmlformats.org/drawingml/2006/main" xmlns:r="http://schemas.openxmlformats.org/officeDocument/2006/relationships" xmlns:p="http://schemas.openxmlformats.org/presentationml/2006/main" type="title" preserve="1" showMasterSp="0">
+<p:sldLayout xmlns:a="http://schemas.openxmlformats.org/drawingml/2006/main" xmlns:r="http://schemas.openxmlformats.org/officeDocument/2006/relationships" xmlns:p="http://schemas.openxmlformats.org/presentationml/2006/main" showMasterSp="0" type="title" preserve="1">
   <p:cSld name="Title Slide">
     <p:bg>
       <p:bgPr>
@@ -855,9 +935,7 @@
         <p:blipFill rotWithShape="1">
           <a:blip r:embed="rId2"/>
           <a:srcRect t="19473"/>
-          <a:stretch>
-            <a:fillRect/>
-          </a:stretch>
+          <a:stretch/>
         </p:blipFill>
         <p:spPr bwMode="auto">
           <a:xfrm>
@@ -908,7 +986,6 @@
               <a:rPr lang="en-US"/>
               <a:t>Click to edit Master subtitle style</a:t>
             </a:r>
-            <a:endParaRPr lang="en-US"/>
           </a:p>
         </p:txBody>
       </p:sp>
@@ -940,7 +1017,6 @@
               <a:rPr lang="en-US"/>
               <a:t>Click to edit Master title style</a:t>
             </a:r>
-            <a:endParaRPr lang="en-US"/>
           </a:p>
         </p:txBody>
       </p:sp>
@@ -990,7 +1066,6 @@
               <a:rPr lang="en-US" dirty="0"/>
               <a:t>Click to edit Master title style</a:t>
             </a:r>
-            <a:endParaRPr lang="en-US" dirty="0"/>
           </a:p>
         </p:txBody>
       </p:sp>
@@ -1014,7 +1089,6 @@
               <a:rPr lang="en-US" dirty="0"/>
               <a:t>Click to edit Master text styles</a:t>
             </a:r>
-            <a:endParaRPr lang="en-US" dirty="0"/>
           </a:p>
           <a:p>
             <a:pPr lvl="1"/>
@@ -1022,7 +1096,6 @@
               <a:rPr lang="en-US" dirty="0"/>
               <a:t>Second level</a:t>
             </a:r>
-            <a:endParaRPr lang="en-US" dirty="0"/>
           </a:p>
           <a:p>
             <a:pPr lvl="2"/>
@@ -1030,7 +1103,6 @@
               <a:rPr lang="en-US" dirty="0"/>
               <a:t>Third level</a:t>
             </a:r>
-            <a:endParaRPr lang="en-US" dirty="0"/>
           </a:p>
           <a:p>
             <a:pPr lvl="3"/>
@@ -1038,7 +1110,6 @@
               <a:rPr lang="en-US" dirty="0"/>
               <a:t>Fourth level</a:t>
             </a:r>
-            <a:endParaRPr lang="en-US" dirty="0"/>
           </a:p>
           <a:p>
             <a:pPr lvl="4"/>
@@ -1046,7 +1117,6 @@
               <a:rPr lang="en-US" dirty="0"/>
               <a:t>Fifth level</a:t>
             </a:r>
-            <a:endParaRPr lang="en-US" dirty="0"/>
           </a:p>
         </p:txBody>
       </p:sp>
@@ -1072,7 +1142,6 @@
               <a:rPr lang="en-US" dirty="0"/>
               <a:t>Copyright © 2017 Elephant Scale. All rights reserved.</a:t>
             </a:r>
-            <a:endParaRPr lang="en-US" dirty="0"/>
           </a:p>
         </p:txBody>
       </p:sp>
@@ -1096,6 +1165,10 @@
             </a:pPr>
             <a:fld id="{77EF9825-4C23-4085-A4E3-B5565466BD91}" type="slidenum">
               <a:rPr lang="en-US" smtClean="0"/>
+              <a:pPr>
+                <a:defRPr/>
+              </a:pPr>
+              <a:t>‹#›</a:t>
             </a:fld>
             <a:endParaRPr lang="en-US" dirty="0"/>
           </a:p>
@@ -1150,7 +1223,6 @@
               <a:rPr lang="en-US"/>
               <a:t>Click to edit Master title style</a:t>
             </a:r>
-            <a:endParaRPr lang="en-US"/>
           </a:p>
         </p:txBody>
       </p:sp>
@@ -1179,7 +1251,6 @@
               <a:rPr lang="en-US"/>
               <a:t>Click to edit Master text styles</a:t>
             </a:r>
-            <a:endParaRPr lang="en-US"/>
           </a:p>
           <a:p>
             <a:pPr lvl="1"/>
@@ -1187,7 +1258,6 @@
               <a:rPr lang="en-US"/>
               <a:t>Second level</a:t>
             </a:r>
-            <a:endParaRPr lang="en-US"/>
           </a:p>
           <a:p>
             <a:pPr lvl="2"/>
@@ -1195,7 +1265,6 @@
               <a:rPr lang="en-US"/>
               <a:t>Third level</a:t>
             </a:r>
-            <a:endParaRPr lang="en-US"/>
           </a:p>
           <a:p>
             <a:pPr lvl="3"/>
@@ -1203,7 +1272,6 @@
               <a:rPr lang="en-US"/>
               <a:t>Fourth level</a:t>
             </a:r>
-            <a:endParaRPr lang="en-US"/>
           </a:p>
           <a:p>
             <a:pPr lvl="4"/>
@@ -1211,7 +1279,6 @@
               <a:rPr lang="en-US"/>
               <a:t>Fifth level</a:t>
             </a:r>
-            <a:endParaRPr lang="en-US"/>
           </a:p>
         </p:txBody>
       </p:sp>
@@ -1240,7 +1307,6 @@
               <a:rPr lang="en-US"/>
               <a:t>Click to edit Master text styles</a:t>
             </a:r>
-            <a:endParaRPr lang="en-US"/>
           </a:p>
           <a:p>
             <a:pPr lvl="1"/>
@@ -1248,7 +1314,6 @@
               <a:rPr lang="en-US"/>
               <a:t>Second level</a:t>
             </a:r>
-            <a:endParaRPr lang="en-US"/>
           </a:p>
           <a:p>
             <a:pPr lvl="2"/>
@@ -1256,7 +1321,6 @@
               <a:rPr lang="en-US"/>
               <a:t>Third level</a:t>
             </a:r>
-            <a:endParaRPr lang="en-US"/>
           </a:p>
           <a:p>
             <a:pPr lvl="3"/>
@@ -1264,7 +1328,6 @@
               <a:rPr lang="en-US"/>
               <a:t>Fourth level</a:t>
             </a:r>
-            <a:endParaRPr lang="en-US"/>
           </a:p>
           <a:p>
             <a:pPr lvl="4"/>
@@ -1272,7 +1335,6 @@
               <a:rPr lang="en-US"/>
               <a:t>Fifth level</a:t>
             </a:r>
-            <a:endParaRPr lang="en-US"/>
           </a:p>
         </p:txBody>
       </p:sp>
@@ -1301,7 +1363,6 @@
               <a:rPr lang="en-US"/>
               <a:t>Click to edit Master text styles</a:t>
             </a:r>
-            <a:endParaRPr lang="en-US"/>
           </a:p>
           <a:p>
             <a:pPr lvl="1"/>
@@ -1309,7 +1370,6 @@
               <a:rPr lang="en-US"/>
               <a:t>Second level</a:t>
             </a:r>
-            <a:endParaRPr lang="en-US"/>
           </a:p>
           <a:p>
             <a:pPr lvl="2"/>
@@ -1317,7 +1377,6 @@
               <a:rPr lang="en-US"/>
               <a:t>Third level</a:t>
             </a:r>
-            <a:endParaRPr lang="en-US"/>
           </a:p>
           <a:p>
             <a:pPr lvl="3"/>
@@ -1325,7 +1384,6 @@
               <a:rPr lang="en-US"/>
               <a:t>Fourth level</a:t>
             </a:r>
-            <a:endParaRPr lang="en-US"/>
           </a:p>
           <a:p>
             <a:pPr lvl="4"/>
@@ -1333,7 +1391,6 @@
               <a:rPr lang="en-US"/>
               <a:t>Fifth level</a:t>
             </a:r>
-            <a:endParaRPr lang="en-US"/>
           </a:p>
         </p:txBody>
       </p:sp>
@@ -1347,7 +1404,9 @@
             <p:ph type="sldNum" sz="quarter" idx="11"/>
           </p:nvPr>
         </p:nvSpPr>
-        <p:spPr/>
+        <p:spPr>
+          <a:ln/>
+        </p:spPr>
         <p:txBody>
           <a:bodyPr/>
           <a:lstStyle>
@@ -1361,6 +1420,10 @@
             </a:pPr>
             <a:fld id="{040E4B02-67B9-4228-B08B-2561CEE6B946}" type="slidenum">
               <a:rPr lang="en-US"/>
+              <a:pPr>
+                <a:defRPr/>
+              </a:pPr>
+              <a:t>‹#›</a:t>
             </a:fld>
             <a:endParaRPr lang="en-US" dirty="0"/>
           </a:p>
@@ -1376,7 +1439,9 @@
             <p:ph type="ftr" sz="quarter" idx="12"/>
           </p:nvPr>
         </p:nvSpPr>
-        <p:spPr/>
+        <p:spPr>
+          <a:ln/>
+        </p:spPr>
         <p:txBody>
           <a:bodyPr/>
           <a:lstStyle>
@@ -1392,7 +1457,6 @@
               <a:rPr lang="en-US" dirty="0"/>
               <a:t>Copyright © 2017 Elephant Scale. All rights reserved.</a:t>
             </a:r>
-            <a:endParaRPr lang="en-US" dirty="0"/>
           </a:p>
         </p:txBody>
       </p:sp>
@@ -1445,7 +1509,6 @@
               <a:rPr lang="en-US"/>
               <a:t>Click to edit Master title style</a:t>
             </a:r>
-            <a:endParaRPr lang="en-US"/>
           </a:p>
         </p:txBody>
       </p:sp>
@@ -1474,7 +1537,6 @@
               <a:rPr lang="en-US"/>
               <a:t>Click to edit Master text styles</a:t>
             </a:r>
-            <a:endParaRPr lang="en-US"/>
           </a:p>
           <a:p>
             <a:pPr lvl="1"/>
@@ -1482,7 +1544,6 @@
               <a:rPr lang="en-US"/>
               <a:t>Second level</a:t>
             </a:r>
-            <a:endParaRPr lang="en-US"/>
           </a:p>
           <a:p>
             <a:pPr lvl="2"/>
@@ -1490,7 +1551,6 @@
               <a:rPr lang="en-US"/>
               <a:t>Third level</a:t>
             </a:r>
-            <a:endParaRPr lang="en-US"/>
           </a:p>
           <a:p>
             <a:pPr lvl="3"/>
@@ -1498,7 +1558,6 @@
               <a:rPr lang="en-US"/>
               <a:t>Fourth level</a:t>
             </a:r>
-            <a:endParaRPr lang="en-US"/>
           </a:p>
           <a:p>
             <a:pPr lvl="4"/>
@@ -1506,7 +1565,6 @@
               <a:rPr lang="en-US"/>
               <a:t>Fifth level</a:t>
             </a:r>
-            <a:endParaRPr lang="en-US"/>
           </a:p>
         </p:txBody>
       </p:sp>
@@ -1535,7 +1593,6 @@
               <a:rPr lang="en-US"/>
               <a:t>Click to edit Master text styles</a:t>
             </a:r>
-            <a:endParaRPr lang="en-US"/>
           </a:p>
           <a:p>
             <a:pPr lvl="1"/>
@@ -1543,7 +1600,6 @@
               <a:rPr lang="en-US"/>
               <a:t>Second level</a:t>
             </a:r>
-            <a:endParaRPr lang="en-US"/>
           </a:p>
           <a:p>
             <a:pPr lvl="2"/>
@@ -1551,7 +1607,6 @@
               <a:rPr lang="en-US"/>
               <a:t>Third level</a:t>
             </a:r>
-            <a:endParaRPr lang="en-US"/>
           </a:p>
           <a:p>
             <a:pPr lvl="3"/>
@@ -1559,7 +1614,6 @@
               <a:rPr lang="en-US"/>
               <a:t>Fourth level</a:t>
             </a:r>
-            <a:endParaRPr lang="en-US"/>
           </a:p>
           <a:p>
             <a:pPr lvl="4"/>
@@ -1567,7 +1621,6 @@
               <a:rPr lang="en-US"/>
               <a:t>Fifth level</a:t>
             </a:r>
-            <a:endParaRPr lang="en-US"/>
           </a:p>
         </p:txBody>
       </p:sp>
@@ -1581,7 +1634,9 @@
             <p:ph type="sldNum" sz="quarter" idx="11"/>
           </p:nvPr>
         </p:nvSpPr>
-        <p:spPr/>
+        <p:spPr>
+          <a:ln/>
+        </p:spPr>
         <p:txBody>
           <a:bodyPr/>
           <a:lstStyle>
@@ -1595,6 +1650,10 @@
             </a:pPr>
             <a:fld id="{A86CC632-9864-46F1-8EAB-FCD3BB9CEC9A}" type="slidenum">
               <a:rPr lang="en-US"/>
+              <a:pPr>
+                <a:defRPr/>
+              </a:pPr>
+              <a:t>‹#›</a:t>
             </a:fld>
             <a:endParaRPr lang="en-US" dirty="0"/>
           </a:p>
@@ -1610,7 +1669,9 @@
             <p:ph type="ftr" sz="quarter" idx="12"/>
           </p:nvPr>
         </p:nvSpPr>
-        <p:spPr/>
+        <p:spPr>
+          <a:ln/>
+        </p:spPr>
         <p:txBody>
           <a:bodyPr/>
           <a:lstStyle>
@@ -1626,7 +1687,6 @@
               <a:rPr lang="en-US" dirty="0"/>
               <a:t>Copyright © 2017 Elephant Scale. All rights reserved.</a:t>
             </a:r>
-            <a:endParaRPr lang="en-US" dirty="0"/>
           </a:p>
         </p:txBody>
       </p:sp>
@@ -1685,10 +1745,15 @@
           <a:ln w="9525">
             <a:noFill/>
             <a:miter lim="800000"/>
+            <a:headEnd/>
+            <a:tailEnd/>
           </a:ln>
         </p:spPr>
         <p:txBody>
           <a:bodyPr vert="horz" wrap="square" lIns="92007" tIns="46005" rIns="92007" bIns="46005" numCol="1" anchor="t" anchorCtr="0" compatLnSpc="1">
+            <a:prstTxWarp prst="textNoShape">
+              <a:avLst/>
+            </a:prstTxWarp>
             <a:normAutofit/>
           </a:bodyPr>
           <a:lstStyle/>
@@ -1698,7 +1763,6 @@
               <a:rPr lang="en-US" dirty="0"/>
               <a:t>Click to edit Master text styles</a:t>
             </a:r>
-            <a:endParaRPr lang="en-US" dirty="0"/>
           </a:p>
           <a:p>
             <a:pPr lvl="1"/>
@@ -1706,7 +1770,6 @@
               <a:rPr lang="en-US" dirty="0"/>
               <a:t>Second level</a:t>
             </a:r>
-            <a:endParaRPr lang="en-US" dirty="0"/>
           </a:p>
           <a:p>
             <a:pPr lvl="2"/>
@@ -1714,7 +1777,6 @@
               <a:rPr lang="en-US" dirty="0"/>
               <a:t>Third level</a:t>
             </a:r>
-            <a:endParaRPr lang="en-US" dirty="0"/>
           </a:p>
           <a:p>
             <a:pPr lvl="3"/>
@@ -1722,7 +1784,6 @@
               <a:rPr lang="en-US" dirty="0"/>
               <a:t>Fourth level</a:t>
             </a:r>
-            <a:endParaRPr lang="en-US" dirty="0"/>
           </a:p>
           <a:p>
             <a:pPr lvl="4"/>
@@ -1730,7 +1791,6 @@
               <a:rPr lang="en-US" dirty="0"/>
               <a:t>Fifth level</a:t>
             </a:r>
-            <a:endParaRPr lang="en-US" dirty="0"/>
           </a:p>
         </p:txBody>
       </p:sp>
@@ -1756,20 +1816,26 @@
           <a:ln w="9525">
             <a:noFill/>
             <a:miter lim="800000"/>
+            <a:headEnd/>
+            <a:tailEnd/>
           </a:ln>
           <a:effectLst/>
         </p:spPr>
         <p:txBody>
-          <a:bodyPr vert="horz" wrap="square" lIns="0" tIns="0" rIns="0" bIns="0" numCol="1" anchor="b" anchorCtr="0" compatLnSpc="1"/>
+          <a:bodyPr vert="horz" wrap="square" lIns="0" tIns="0" rIns="0" bIns="0" numCol="1" anchor="b" anchorCtr="0" compatLnSpc="1">
+            <a:prstTxWarp prst="textNoShape">
+              <a:avLst/>
+            </a:prstTxWarp>
+          </a:bodyPr>
           <a:lstStyle>
             <a:lvl1pPr algn="r" eaLnBrk="0" hangingPunct="0">
               <a:defRPr b="1">
                 <a:solidFill>
                   <a:srgbClr val="000000"/>
                 </a:solidFill>
-                <a:latin typeface="Arial" panose="020B0604020202020204" pitchFamily="34" charset="0"/>
-                <a:ea typeface="MS PGothic" charset="0"/>
-                <a:cs typeface="MS PGothic" charset="0"/>
+                <a:latin typeface="Arial" charset="0"/>
+                <a:ea typeface="ＭＳ Ｐゴシック" charset="0"/>
+                <a:cs typeface="ＭＳ Ｐゴシック" charset="0"/>
               </a:defRPr>
             </a:lvl1pPr>
           </a:lstStyle>
@@ -1779,6 +1845,10 @@
             </a:pPr>
             <a:fld id="{77EF9825-4C23-4085-A4E3-B5565466BD91}" type="slidenum">
               <a:rPr lang="en-US"/>
+              <a:pPr>
+                <a:defRPr/>
+              </a:pPr>
+              <a:t>‹#›</a:t>
             </a:fld>
             <a:endParaRPr lang="en-US" dirty="0"/>
           </a:p>
@@ -1806,11 +1876,16 @@
           <a:ln w="9525">
             <a:noFill/>
             <a:miter lim="800000"/>
+            <a:headEnd/>
+            <a:tailEnd/>
           </a:ln>
           <a:effectLst/>
         </p:spPr>
         <p:txBody>
           <a:bodyPr vert="horz" wrap="square" lIns="0" tIns="0" rIns="0" bIns="0" numCol="1" anchor="t" anchorCtr="0" compatLnSpc="1">
+            <a:prstTxWarp prst="textNoShape">
+              <a:avLst/>
+            </a:prstTxWarp>
             <a:spAutoFit/>
           </a:bodyPr>
           <a:lstStyle>
@@ -1836,7 +1911,6 @@
               <a:rPr lang="en-US" dirty="0"/>
               <a:t>Copyright © 2017 Elephant Scale. All rights reserved.</a:t>
             </a:r>
-            <a:endParaRPr lang="en-US" dirty="0"/>
           </a:p>
         </p:txBody>
       </p:sp>
@@ -1849,7 +1923,7 @@
           <p:nvPr/>
         </p:nvPicPr>
         <p:blipFill>
-          <a:blip r:embed="rId5"/>
+          <a:blip r:embed="rId6"/>
           <a:srcRect/>
           <a:stretch>
             <a:fillRect/>
@@ -1896,10 +1970,16 @@
           <a:ln w="9525">
             <a:noFill/>
             <a:miter lim="800000"/>
+            <a:headEnd/>
+            <a:tailEnd/>
           </a:ln>
         </p:spPr>
         <p:txBody>
-          <a:bodyPr vert="horz" wrap="square" lIns="92007" tIns="46005" rIns="92007" bIns="46005" numCol="1" anchor="b" anchorCtr="0" compatLnSpc="1"/>
+          <a:bodyPr vert="horz" wrap="square" lIns="92007" tIns="46005" rIns="92007" bIns="46005" numCol="1" anchor="b" anchorCtr="0" compatLnSpc="1">
+            <a:prstTxWarp prst="textNoShape">
+              <a:avLst/>
+            </a:prstTxWarp>
+          </a:bodyPr>
           <a:lstStyle/>
           <a:p>
             <a:pPr lvl="0"/>
@@ -1907,7 +1987,6 @@
               <a:rPr lang="en-US" dirty="0"/>
               <a:t>Click to edit Master title style</a:t>
             </a:r>
-            <a:endParaRPr lang="en-US" dirty="0"/>
           </a:p>
         </p:txBody>
       </p:sp>
@@ -1915,10 +1994,10 @@
   </p:cSld>
   <p:clrMap bg1="dk2" tx1="lt1" bg2="dk1" tx2="lt2" accent1="accent1" accent2="accent2" accent3="accent3" accent4="accent4" accent5="accent5" accent6="accent6" hlink="hlink" folHlink="folHlink"/>
   <p:sldLayoutIdLst>
-    <p:sldLayoutId id="2147483649" r:id="rId1"/>
-    <p:sldLayoutId id="2147483650" r:id="rId2"/>
-    <p:sldLayoutId id="2147483651" r:id="rId3"/>
-    <p:sldLayoutId id="2147483652" r:id="rId4"/>
+    <p:sldLayoutId id="2147483656" r:id="rId1"/>
+    <p:sldLayoutId id="2147483655" r:id="rId2"/>
+    <p:sldLayoutId id="2147483654" r:id="rId3"/>
+    <p:sldLayoutId id="2147483653" r:id="rId4"/>
   </p:sldLayoutIdLst>
   <p:hf hdr="0" dt="0"/>
   <p:txStyles>
@@ -1935,8 +2014,8 @@
             <a:schemeClr val="tx1"/>
           </a:solidFill>
           <a:latin typeface="+mj-lt"/>
-          <a:ea typeface="MS PGothic" pitchFamily="-110" charset="-128"/>
-          <a:cs typeface="MS PGothic" pitchFamily="-110" charset="-128"/>
+          <a:ea typeface="ＭＳ Ｐゴシック" pitchFamily="-110" charset="-128"/>
+          <a:cs typeface="ＭＳ Ｐゴシック" pitchFamily="-110" charset="-128"/>
         </a:defRPr>
       </a:lvl1pPr>
       <a:lvl2pPr algn="l" rtl="0" eaLnBrk="0" fontAlgn="base" hangingPunct="0">
@@ -1950,9 +2029,9 @@
           <a:solidFill>
             <a:schemeClr val="tx1"/>
           </a:solidFill>
-          <a:latin typeface="Verdana" panose="020B0604030504040204" pitchFamily="-110" charset="0"/>
-          <a:ea typeface="MS PGothic" pitchFamily="-110" charset="-128"/>
-          <a:cs typeface="MS PGothic" pitchFamily="-110" charset="-128"/>
+          <a:latin typeface="Verdana" pitchFamily="-110" charset="0"/>
+          <a:ea typeface="ＭＳ Ｐゴシック" pitchFamily="-110" charset="-128"/>
+          <a:cs typeface="ＭＳ Ｐゴシック" pitchFamily="-110" charset="-128"/>
         </a:defRPr>
       </a:lvl2pPr>
       <a:lvl3pPr algn="l" rtl="0" eaLnBrk="0" fontAlgn="base" hangingPunct="0">
@@ -1966,9 +2045,9 @@
           <a:solidFill>
             <a:schemeClr val="tx1"/>
           </a:solidFill>
-          <a:latin typeface="Verdana" panose="020B0604030504040204" pitchFamily="-110" charset="0"/>
-          <a:ea typeface="MS PGothic" pitchFamily="-110" charset="-128"/>
-          <a:cs typeface="MS PGothic" pitchFamily="-110" charset="-128"/>
+          <a:latin typeface="Verdana" pitchFamily="-110" charset="0"/>
+          <a:ea typeface="ＭＳ Ｐゴシック" pitchFamily="-110" charset="-128"/>
+          <a:cs typeface="ＭＳ Ｐゴシック" pitchFamily="-110" charset="-128"/>
         </a:defRPr>
       </a:lvl3pPr>
       <a:lvl4pPr algn="l" rtl="0" eaLnBrk="0" fontAlgn="base" hangingPunct="0">
@@ -1982,9 +2061,9 @@
           <a:solidFill>
             <a:schemeClr val="tx1"/>
           </a:solidFill>
-          <a:latin typeface="Verdana" panose="020B0604030504040204" pitchFamily="-110" charset="0"/>
-          <a:ea typeface="MS PGothic" pitchFamily="-110" charset="-128"/>
-          <a:cs typeface="MS PGothic" pitchFamily="-110" charset="-128"/>
+          <a:latin typeface="Verdana" pitchFamily="-110" charset="0"/>
+          <a:ea typeface="ＭＳ Ｐゴシック" pitchFamily="-110" charset="-128"/>
+          <a:cs typeface="ＭＳ Ｐゴシック" pitchFamily="-110" charset="-128"/>
         </a:defRPr>
       </a:lvl4pPr>
       <a:lvl5pPr algn="l" rtl="0" eaLnBrk="0" fontAlgn="base" hangingPunct="0">
@@ -1998,9 +2077,9 @@
           <a:solidFill>
             <a:schemeClr val="tx1"/>
           </a:solidFill>
-          <a:latin typeface="Verdana" panose="020B0604030504040204" pitchFamily="-110" charset="0"/>
-          <a:ea typeface="MS PGothic" pitchFamily="-110" charset="-128"/>
-          <a:cs typeface="MS PGothic" pitchFamily="-110" charset="-128"/>
+          <a:latin typeface="Verdana" pitchFamily="-110" charset="0"/>
+          <a:ea typeface="ＭＳ Ｐゴシック" pitchFamily="-110" charset="-128"/>
+          <a:cs typeface="ＭＳ Ｐゴシック" pitchFamily="-110" charset="-128"/>
         </a:defRPr>
       </a:lvl5pPr>
       <a:lvl6pPr marL="457200" algn="l" rtl="0" eaLnBrk="0" fontAlgn="base" hangingPunct="0">
@@ -2014,7 +2093,7 @@
           <a:solidFill>
             <a:schemeClr val="tx1"/>
           </a:solidFill>
-          <a:latin typeface="Verdana" panose="020B0604030504040204" pitchFamily="-110" charset="0"/>
+          <a:latin typeface="Verdana" pitchFamily="-110" charset="0"/>
         </a:defRPr>
       </a:lvl6pPr>
       <a:lvl7pPr marL="914400" algn="l" rtl="0" eaLnBrk="0" fontAlgn="base" hangingPunct="0">
@@ -2028,7 +2107,7 @@
           <a:solidFill>
             <a:schemeClr val="tx1"/>
           </a:solidFill>
-          <a:latin typeface="Verdana" panose="020B0604030504040204" pitchFamily="-110" charset="0"/>
+          <a:latin typeface="Verdana" pitchFamily="-110" charset="0"/>
         </a:defRPr>
       </a:lvl7pPr>
       <a:lvl8pPr marL="1371600" algn="l" rtl="0" eaLnBrk="0" fontAlgn="base" hangingPunct="0">
@@ -2042,7 +2121,7 @@
           <a:solidFill>
             <a:schemeClr val="tx1"/>
           </a:solidFill>
-          <a:latin typeface="Verdana" panose="020B0604030504040204" pitchFamily="-110" charset="0"/>
+          <a:latin typeface="Verdana" pitchFamily="-110" charset="0"/>
         </a:defRPr>
       </a:lvl8pPr>
       <a:lvl9pPr marL="1828800" algn="l" rtl="0" eaLnBrk="0" fontAlgn="base" hangingPunct="0">
@@ -2056,12 +2135,12 @@
           <a:solidFill>
             <a:schemeClr val="tx1"/>
           </a:solidFill>
-          <a:latin typeface="Verdana" panose="020B0604030504040204" pitchFamily="-110" charset="0"/>
+          <a:latin typeface="Verdana" pitchFamily="-110" charset="0"/>
         </a:defRPr>
       </a:lvl9pPr>
     </p:titleStyle>
     <p:bodyStyle>
-      <a:lvl1pPr marL="290830" indent="-290830" algn="l" rtl="0" eaLnBrk="0" fontAlgn="base" hangingPunct="0">
+      <a:lvl1pPr marL="290513" indent="-290513" algn="l" rtl="0" eaLnBrk="0" fontAlgn="base" hangingPunct="0">
         <a:spcBef>
           <a:spcPct val="20000"/>
         </a:spcBef>
@@ -2072,18 +2151,18 @@
           <a:schemeClr val="tx2"/>
         </a:buClr>
         <a:buSzPct val="65000"/>
-        <a:buFont typeface="Wingdings" panose="05000000000000000000" pitchFamily="2" charset="2"/>
+        <a:buFont typeface="Wingdings" pitchFamily="2" charset="2"/>
         <a:buChar char=""/>
         <a:defRPr sz="2400">
           <a:solidFill>
             <a:srgbClr val="000000"/>
           </a:solidFill>
           <a:latin typeface="+mn-lt"/>
-          <a:ea typeface="MS PGothic" pitchFamily="-110" charset="-128"/>
-          <a:cs typeface="MS PGothic" pitchFamily="-110" charset="-128"/>
+          <a:ea typeface="ＭＳ Ｐゴシック" pitchFamily="-110" charset="-128"/>
+          <a:cs typeface="ＭＳ Ｐゴシック" pitchFamily="-110" charset="-128"/>
         </a:defRPr>
       </a:lvl1pPr>
-      <a:lvl2pPr marL="633730" indent="-228600" algn="l" rtl="0" eaLnBrk="0" fontAlgn="base" hangingPunct="0">
+      <a:lvl2pPr marL="633413" indent="-228600" algn="l" rtl="0" eaLnBrk="0" fontAlgn="base" hangingPunct="0">
         <a:spcBef>
           <a:spcPct val="20000"/>
         </a:spcBef>
@@ -2099,11 +2178,11 @@
             <a:srgbClr val="000000"/>
           </a:solidFill>
           <a:latin typeface="+mn-lt"/>
-          <a:ea typeface="MS PGothic" pitchFamily="-110" charset="-128"/>
-          <a:cs typeface="MS PGothic"/>
+          <a:ea typeface="ＭＳ Ｐゴシック" pitchFamily="-110" charset="-128"/>
+          <a:cs typeface="ＭＳ Ｐゴシック"/>
         </a:defRPr>
       </a:lvl2pPr>
-      <a:lvl3pPr marL="970280" indent="-222250" algn="l" rtl="0" eaLnBrk="0" fontAlgn="base" hangingPunct="0">
+      <a:lvl3pPr marL="969963" indent="-222250" algn="l" rtl="0" eaLnBrk="0" fontAlgn="base" hangingPunct="0">
         <a:spcBef>
           <a:spcPct val="20000"/>
         </a:spcBef>
@@ -2116,11 +2195,11 @@
             <a:srgbClr val="000000"/>
           </a:solidFill>
           <a:latin typeface="+mn-lt"/>
-          <a:ea typeface="MS PGothic" pitchFamily="-110" charset="-128"/>
-          <a:cs typeface="MS PGothic"/>
+          <a:ea typeface="ＭＳ Ｐゴシック" pitchFamily="-110" charset="-128"/>
+          <a:cs typeface="ＭＳ Ｐゴシック"/>
         </a:defRPr>
       </a:lvl3pPr>
-      <a:lvl4pPr marL="1259205" indent="-228600" algn="l" rtl="0" eaLnBrk="0" fontAlgn="base" hangingPunct="0">
+      <a:lvl4pPr marL="1258888" indent="-228600" algn="l" rtl="0" eaLnBrk="0" fontAlgn="base" hangingPunct="0">
         <a:spcBef>
           <a:spcPct val="0"/>
         </a:spcBef>
@@ -2138,11 +2217,11 @@
             <a:srgbClr val="000000"/>
           </a:solidFill>
           <a:latin typeface="+mn-lt"/>
-          <a:ea typeface="MS PGothic" pitchFamily="-110" charset="-128"/>
-          <a:cs typeface="MS PGothic"/>
+          <a:ea typeface="ＭＳ Ｐゴシック" pitchFamily="-110" charset="-128"/>
+          <a:cs typeface="ＭＳ Ｐゴシック"/>
         </a:defRPr>
       </a:lvl4pPr>
-      <a:lvl5pPr marL="2056130" indent="-230505" algn="l" rtl="0" eaLnBrk="0" fontAlgn="base" hangingPunct="0">
+      <a:lvl5pPr marL="2055813" indent="-230188" algn="l" rtl="0" eaLnBrk="0" fontAlgn="base" hangingPunct="0">
         <a:spcBef>
           <a:spcPct val="20000"/>
         </a:spcBef>
@@ -2156,12 +2235,12 @@
           <a:solidFill>
             <a:schemeClr val="tx1"/>
           </a:solidFill>
-          <a:latin typeface="Times New Roman" panose="02020603050405020304" pitchFamily="-110" charset="0"/>
-          <a:ea typeface="MS PGothic" pitchFamily="-110" charset="-128"/>
-          <a:cs typeface="MS PGothic"/>
+          <a:latin typeface="Times New Roman" pitchFamily="-110" charset="0"/>
+          <a:ea typeface="ＭＳ Ｐゴシック" pitchFamily="-110" charset="-128"/>
+          <a:cs typeface="ＭＳ Ｐゴシック"/>
         </a:defRPr>
       </a:lvl5pPr>
-      <a:lvl6pPr marL="2513330" indent="-230505" algn="l" rtl="0" eaLnBrk="0" fontAlgn="base" hangingPunct="0">
+      <a:lvl6pPr marL="2513013" indent="-230188" algn="l" rtl="0" eaLnBrk="0" fontAlgn="base" hangingPunct="0">
         <a:spcBef>
           <a:spcPct val="20000"/>
         </a:spcBef>
@@ -2175,11 +2254,11 @@
           <a:solidFill>
             <a:schemeClr val="tx1"/>
           </a:solidFill>
-          <a:latin typeface="Times New Roman" panose="02020603050405020304" pitchFamily="-110" charset="0"/>
-          <a:ea typeface="MS PGothic" pitchFamily="-110" charset="-128"/>
+          <a:latin typeface="Times New Roman" pitchFamily="-110" charset="0"/>
+          <a:ea typeface="ＭＳ Ｐゴシック" pitchFamily="-110" charset="-128"/>
         </a:defRPr>
       </a:lvl6pPr>
-      <a:lvl7pPr marL="2970530" indent="-230505" algn="l" rtl="0" eaLnBrk="0" fontAlgn="base" hangingPunct="0">
+      <a:lvl7pPr marL="2970213" indent="-230188" algn="l" rtl="0" eaLnBrk="0" fontAlgn="base" hangingPunct="0">
         <a:spcBef>
           <a:spcPct val="20000"/>
         </a:spcBef>
@@ -2193,11 +2272,11 @@
           <a:solidFill>
             <a:schemeClr val="tx1"/>
           </a:solidFill>
-          <a:latin typeface="Times New Roman" panose="02020603050405020304" pitchFamily="-110" charset="0"/>
-          <a:ea typeface="MS PGothic" pitchFamily="-110" charset="-128"/>
+          <a:latin typeface="Times New Roman" pitchFamily="-110" charset="0"/>
+          <a:ea typeface="ＭＳ Ｐゴシック" pitchFamily="-110" charset="-128"/>
         </a:defRPr>
       </a:lvl7pPr>
-      <a:lvl8pPr marL="3427730" indent="-230505" algn="l" rtl="0" eaLnBrk="0" fontAlgn="base" hangingPunct="0">
+      <a:lvl8pPr marL="3427413" indent="-230188" algn="l" rtl="0" eaLnBrk="0" fontAlgn="base" hangingPunct="0">
         <a:spcBef>
           <a:spcPct val="20000"/>
         </a:spcBef>
@@ -2211,11 +2290,11 @@
           <a:solidFill>
             <a:schemeClr val="tx1"/>
           </a:solidFill>
-          <a:latin typeface="Times New Roman" panose="02020603050405020304" pitchFamily="-110" charset="0"/>
-          <a:ea typeface="MS PGothic" pitchFamily="-110" charset="-128"/>
+          <a:latin typeface="Times New Roman" pitchFamily="-110" charset="0"/>
+          <a:ea typeface="ＭＳ Ｐゴシック" pitchFamily="-110" charset="-128"/>
         </a:defRPr>
       </a:lvl8pPr>
-      <a:lvl9pPr marL="3884930" indent="-230505" algn="l" rtl="0" eaLnBrk="0" fontAlgn="base" hangingPunct="0">
+      <a:lvl9pPr marL="3884613" indent="-230188" algn="l" rtl="0" eaLnBrk="0" fontAlgn="base" hangingPunct="0">
         <a:spcBef>
           <a:spcPct val="20000"/>
         </a:spcBef>
@@ -2229,8 +2308,8 @@
           <a:solidFill>
             <a:schemeClr val="tx1"/>
           </a:solidFill>
-          <a:latin typeface="Times New Roman" panose="02020603050405020304" pitchFamily="-110" charset="0"/>
-          <a:ea typeface="MS PGothic" pitchFamily="-110" charset="-128"/>
+          <a:latin typeface="Times New Roman" pitchFamily="-110" charset="0"/>
+          <a:ea typeface="ＭＳ Ｐゴシック" pitchFamily="-110" charset="-128"/>
         </a:defRPr>
       </a:lvl9pPr>
     </p:bodyStyle>
@@ -2334,7 +2413,7 @@
 </file>
 
 <file path=ppt/slides/slide1.xml><?xml version="1.0" encoding="utf-8"?>
-<p:sld xmlns:a="http://schemas.openxmlformats.org/drawingml/2006/main" xmlns:r="http://schemas.openxmlformats.org/officeDocument/2006/relationships" xmlns:p="http://schemas.openxmlformats.org/presentationml/2006/main">
+<p:sld xmlns:a="http://schemas.openxmlformats.org/drawingml/2006/main" xmlns:p="http://schemas.openxmlformats.org/presentationml/2006/main" xmlns:r="http://schemas.openxmlformats.org/officeDocument/2006/relationships">
   <p:cSld>
     <p:spTree>
       <p:nvGrpSpPr>
@@ -2350,7 +2429,7 @@
             <a:spLocks noGrp="1"/>
           </p:cNvSpPr>
           <p:nvPr>
-            <p:ph type="subTitle" sz="quarter" idx="1"/>
+            <p:ph type="subTitle" idx="1" sz="quarter"/>
           </p:nvPr>
         </p:nvSpPr>
         <p:spPr/>
@@ -2411,11 +2490,6 @@
               </a:rPr>
               <a:t>Copyright © 2021 by Elephant Scale, All Rights Reserved</a:t>
             </a:r>
-            <a:endParaRPr sz="800">
-              <a:solidFill>
-                <a:srgbClr val="000000"/>
-              </a:solidFill>
-            </a:endParaRPr>
           </a:p>
         </p:txBody>
       </p:sp>
@@ -2428,7 +2502,7 @@
 </file>
 
 <file path=ppt/slides/slide10.xml><?xml version="1.0" encoding="utf-8"?>
-<p:sld xmlns:a="http://schemas.openxmlformats.org/drawingml/2006/main" xmlns:r="http://schemas.openxmlformats.org/officeDocument/2006/relationships" xmlns:p="http://schemas.openxmlformats.org/presentationml/2006/main">
+<p:sld xmlns:a="http://schemas.openxmlformats.org/drawingml/2006/main" xmlns:p="http://schemas.openxmlformats.org/presentationml/2006/main" xmlns:r="http://schemas.openxmlformats.org/officeDocument/2006/relationships">
   <p:cSld>
     <p:spTree>
       <p:nvGrpSpPr>
@@ -2509,21 +2583,7 @@
           <a:p>
             <a:pPr lvl="1"/>
             <a:r>
-              <a:t> Something non-technical about you!</a:t>
-            </a:r>
-            <a:r>
-              <a:rPr lang="en-US"/>
-              <a:t> </a:t>
-            </a:r>
-            <a:r>
-              <a:t>(</a:t>
-            </a:r>
-            <a:r>
-              <a:rPr lang="en-US"/>
-              <a:t>F</a:t>
-            </a:r>
-            <a:r>
-              <a:t>avorite ice cream flavor or hobby…)</a:t>
+              <a:t> Something non-technical about you!(favorite ice cream flavor or hobby…)</a:t>
             </a:r>
           </a:p>
           <a:p/>
@@ -2563,11 +2623,6 @@
               </a:rPr>
               <a:t>Copyright © 2021 by Elephant Scale, All Rights Reserved</a:t>
             </a:r>
-            <a:endParaRPr sz="800">
-              <a:solidFill>
-                <a:srgbClr val="000000"/>
-              </a:solidFill>
-            </a:endParaRPr>
           </a:p>
         </p:txBody>
       </p:sp>
@@ -2580,7 +2635,7 @@
           <p:nvPr/>
         </p:nvPicPr>
         <p:blipFill>
-          <a:blip r:embed="rId1"/>
+          <a:blip r:embed="rId2"/>
           <a:stretch>
             <a:fillRect/>
           </a:stretch>
@@ -2604,7 +2659,7 @@
           <p:nvPr/>
         </p:nvPicPr>
         <p:blipFill>
-          <a:blip r:embed="rId2"/>
+          <a:blip r:embed="rId3"/>
           <a:stretch>
             <a:fillRect/>
           </a:stretch>
@@ -2628,7 +2683,7 @@
 </file>
 
 <file path=ppt/slides/slide2.xml><?xml version="1.0" encoding="utf-8"?>
-<p:sld xmlns:a="http://schemas.openxmlformats.org/drawingml/2006/main" xmlns:r="http://schemas.openxmlformats.org/officeDocument/2006/relationships" xmlns:p="http://schemas.openxmlformats.org/presentationml/2006/main">
+<p:sld xmlns:a="http://schemas.openxmlformats.org/drawingml/2006/main" xmlns:p="http://schemas.openxmlformats.org/presentationml/2006/main" xmlns:r="http://schemas.openxmlformats.org/officeDocument/2006/relationships">
   <p:cSld>
     <p:spTree>
       <p:nvGrpSpPr>
@@ -2708,11 +2763,6 @@
               </a:rPr>
               <a:t>Copyright © 2021 by Elephant Scale, All Rights Reserved</a:t>
             </a:r>
-            <a:endParaRPr sz="800">
-              <a:solidFill>
-                <a:srgbClr val="000000"/>
-              </a:solidFill>
-            </a:endParaRPr>
           </a:p>
         </p:txBody>
       </p:sp>
@@ -2726,7 +2776,7 @@
         </p:nvGraphicFramePr>
         <p:xfrm>
           <a:off x="237744" y="914400"/>
-          <a:ext cx="8915400" cy="2286000"/>
+          <a:ext cx="8915400" cy="1371600"/>
         </p:xfrm>
         <a:graphic>
           <a:graphicData uri="http://schemas.openxmlformats.org/drawingml/2006/table">
@@ -2735,9 +2785,9 @@
                 <a:tableStyleId>{5C22544A-7EE6-4342-B048-85BDC9FD1C3A}</a:tableStyleId>
               </a:tblPr>
               <a:tblGrid>
-                <a:gridCol w="1172845"/>
-                <a:gridCol w="2378710"/>
-                <a:gridCol w="5363845"/>
+                <a:gridCol w="2971800"/>
+                <a:gridCol w="2971800"/>
+                <a:gridCol w="2971800"/>
               </a:tblGrid>
               <a:tr h="457200">
                 <a:tc>
@@ -2808,19 +2858,7 @@
                     <a:lstStyle/>
                     <a:p>
                       <a:r>
-                        <a:t>Industrial Automation and Control Systems (IACS) and security, </a:t>
-                      </a:r>
-                    </a:p>
-                    <a:p>
-                      <a:r>
-                        <a:t>The role</a:t>
-                      </a:r>
-                      <a:r>
-                        <a:rPr lang="en-US"/>
-                        <a:t>s</a:t>
-                      </a:r>
-                      <a:r>
-                        <a:t> of managers, hackers, and developers</a:t>
+                        <a:t>Industrial Automation and Control Systems (IACS) and security, * The role of managers, hackers, and developers</a:t>
                       </a:r>
                     </a:p>
                   </a:txBody>
@@ -2858,22 +2896,7 @@
                     <a:lstStyle/>
                     <a:p>
                       <a:r>
-                        <a:t>Security design princip</a:t>
-                      </a:r>
-                      <a:r>
-                        <a:rPr lang="en-US"/>
-                        <a:t>les</a:t>
-                      </a:r>
-                      <a:endParaRPr lang="en-US"/>
-                    </a:p>
-                    <a:p>
-                      <a:r>
-                        <a:t>Cryptography</a:t>
-                      </a:r>
-                    </a:p>
-                    <a:p>
-                      <a:r>
-                        <a:t>Software Development Lifecycle (SDLC), IEC62443 standards</a:t>
+                        <a:t>Security design principals, * Cryptography * Software Development Lifecycle (SDLC), IEC62443 standards</a:t>
                       </a:r>
                     </a:p>
                   </a:txBody>
@@ -2893,7 +2916,7 @@
 </file>
 
 <file path=ppt/slides/slide3.xml><?xml version="1.0" encoding="utf-8"?>
-<p:sld xmlns:a="http://schemas.openxmlformats.org/drawingml/2006/main" xmlns:r="http://schemas.openxmlformats.org/officeDocument/2006/relationships" xmlns:p="http://schemas.openxmlformats.org/presentationml/2006/main">
+<p:sld xmlns:a="http://schemas.openxmlformats.org/drawingml/2006/main" xmlns:p="http://schemas.openxmlformats.org/presentationml/2006/main" xmlns:r="http://schemas.openxmlformats.org/officeDocument/2006/relationships">
   <p:cSld>
     <p:spTree>
       <p:nvGrpSpPr>
@@ -3013,11 +3036,6 @@
               </a:rPr>
               <a:t>Copyright © 2021 by Elephant Scale, All Rights Reserved</a:t>
             </a:r>
-            <a:endParaRPr sz="800">
-              <a:solidFill>
-                <a:srgbClr val="000000"/>
-              </a:solidFill>
-            </a:endParaRPr>
           </a:p>
         </p:txBody>
       </p:sp>
@@ -3030,7 +3048,7 @@
 </file>
 
 <file path=ppt/slides/slide4.xml><?xml version="1.0" encoding="utf-8"?>
-<p:sld xmlns:a="http://schemas.openxmlformats.org/drawingml/2006/main" xmlns:r="http://schemas.openxmlformats.org/officeDocument/2006/relationships" xmlns:p="http://schemas.openxmlformats.org/presentationml/2006/main">
+<p:sld xmlns:a="http://schemas.openxmlformats.org/drawingml/2006/main" xmlns:p="http://schemas.openxmlformats.org/presentationml/2006/main" xmlns:r="http://schemas.openxmlformats.org/officeDocument/2006/relationships">
   <p:cSld>
     <p:spTree>
       <p:nvGrpSpPr>
@@ -3126,11 +3144,6 @@
               </a:rPr>
               <a:t>Copyright © 2021 by Elephant Scale, All Rights Reserved</a:t>
             </a:r>
-            <a:endParaRPr sz="800">
-              <a:solidFill>
-                <a:srgbClr val="000000"/>
-              </a:solidFill>
-            </a:endParaRPr>
           </a:p>
         </p:txBody>
       </p:sp>
@@ -3143,7 +3156,7 @@
 </file>
 
 <file path=ppt/slides/slide5.xml><?xml version="1.0" encoding="utf-8"?>
-<p:sld xmlns:a="http://schemas.openxmlformats.org/drawingml/2006/main" xmlns:r="http://schemas.openxmlformats.org/officeDocument/2006/relationships" xmlns:p="http://schemas.openxmlformats.org/presentationml/2006/main">
+<p:sld xmlns:a="http://schemas.openxmlformats.org/drawingml/2006/main" xmlns:p="http://schemas.openxmlformats.org/presentationml/2006/main" xmlns:r="http://schemas.openxmlformats.org/officeDocument/2006/relationships">
   <p:cSld>
     <p:spTree>
       <p:nvGrpSpPr>
@@ -3237,11 +3250,6 @@
               </a:rPr>
               <a:t>Copyright © 2021 by Elephant Scale, All Rights Reserved</a:t>
             </a:r>
-            <a:endParaRPr sz="800">
-              <a:solidFill>
-                <a:srgbClr val="000000"/>
-              </a:solidFill>
-            </a:endParaRPr>
           </a:p>
         </p:txBody>
       </p:sp>
@@ -3254,7 +3262,7 @@
           <p:nvPr/>
         </p:nvPicPr>
         <p:blipFill>
-          <a:blip r:embed="rId1"/>
+          <a:blip r:embed="rId2"/>
           <a:stretch>
             <a:fillRect/>
           </a:stretch>
@@ -3278,7 +3286,7 @@
 </file>
 
 <file path=ppt/slides/slide6.xml><?xml version="1.0" encoding="utf-8"?>
-<p:sld xmlns:a="http://schemas.openxmlformats.org/drawingml/2006/main" xmlns:r="http://schemas.openxmlformats.org/officeDocument/2006/relationships" xmlns:p="http://schemas.openxmlformats.org/presentationml/2006/main">
+<p:sld xmlns:a="http://schemas.openxmlformats.org/drawingml/2006/main" xmlns:p="http://schemas.openxmlformats.org/presentationml/2006/main" xmlns:r="http://schemas.openxmlformats.org/officeDocument/2006/relationships">
   <p:cSld>
     <p:spTree>
       <p:nvGrpSpPr>
@@ -3368,11 +3376,6 @@
               </a:rPr>
               <a:t>Copyright © 2021 by Elephant Scale, All Rights Reserved</a:t>
             </a:r>
-            <a:endParaRPr sz="800">
-              <a:solidFill>
-                <a:srgbClr val="000000"/>
-              </a:solidFill>
-            </a:endParaRPr>
           </a:p>
         </p:txBody>
       </p:sp>
@@ -3385,7 +3388,7 @@
           <p:nvPr/>
         </p:nvPicPr>
         <p:blipFill>
-          <a:blip r:embed="rId1"/>
+          <a:blip r:embed="rId2"/>
           <a:stretch>
             <a:fillRect/>
           </a:stretch>
@@ -3409,7 +3412,7 @@
 </file>
 
 <file path=ppt/slides/slide7.xml><?xml version="1.0" encoding="utf-8"?>
-<p:sld xmlns:a="http://schemas.openxmlformats.org/drawingml/2006/main" xmlns:r="http://schemas.openxmlformats.org/officeDocument/2006/relationships" xmlns:p="http://schemas.openxmlformats.org/presentationml/2006/main">
+<p:sld xmlns:a="http://schemas.openxmlformats.org/drawingml/2006/main" xmlns:p="http://schemas.openxmlformats.org/presentationml/2006/main" xmlns:r="http://schemas.openxmlformats.org/officeDocument/2006/relationships">
   <p:cSld>
     <p:spTree>
       <p:nvGrpSpPr>
@@ -3499,11 +3502,6 @@
               </a:rPr>
               <a:t>Copyright © 2021 by Elephant Scale, All Rights Reserved</a:t>
             </a:r>
-            <a:endParaRPr sz="800">
-              <a:solidFill>
-                <a:srgbClr val="000000"/>
-              </a:solidFill>
-            </a:endParaRPr>
           </a:p>
         </p:txBody>
       </p:sp>
@@ -3516,7 +3514,7 @@
           <p:nvPr/>
         </p:nvPicPr>
         <p:blipFill>
-          <a:blip r:embed="rId1"/>
+          <a:blip r:embed="rId2"/>
           <a:stretch>
             <a:fillRect/>
           </a:stretch>
@@ -3540,7 +3538,7 @@
 </file>
 
 <file path=ppt/slides/slide8.xml><?xml version="1.0" encoding="utf-8"?>
-<p:sld xmlns:a="http://schemas.openxmlformats.org/drawingml/2006/main" xmlns:r="http://schemas.openxmlformats.org/officeDocument/2006/relationships" xmlns:p="http://schemas.openxmlformats.org/presentationml/2006/main">
+<p:sld xmlns:a="http://schemas.openxmlformats.org/drawingml/2006/main" xmlns:p="http://schemas.openxmlformats.org/presentationml/2006/main" xmlns:r="http://schemas.openxmlformats.org/officeDocument/2006/relationships">
   <p:cSld>
     <p:spTree>
       <p:nvGrpSpPr>
@@ -3630,11 +3628,6 @@
               </a:rPr>
               <a:t>Copyright © 2021 by Elephant Scale, All Rights Reserved</a:t>
             </a:r>
-            <a:endParaRPr sz="800">
-              <a:solidFill>
-                <a:srgbClr val="000000"/>
-              </a:solidFill>
-            </a:endParaRPr>
           </a:p>
         </p:txBody>
       </p:sp>
@@ -3647,7 +3640,7 @@
           <p:nvPr/>
         </p:nvPicPr>
         <p:blipFill>
-          <a:blip r:embed="rId1"/>
+          <a:blip r:embed="rId2"/>
           <a:stretch>
             <a:fillRect/>
           </a:stretch>
@@ -3671,7 +3664,7 @@
 </file>
 
 <file path=ppt/slides/slide9.xml><?xml version="1.0" encoding="utf-8"?>
-<p:sld xmlns:a="http://schemas.openxmlformats.org/drawingml/2006/main" xmlns:r="http://schemas.openxmlformats.org/officeDocument/2006/relationships" xmlns:p="http://schemas.openxmlformats.org/presentationml/2006/main">
+<p:sld xmlns:a="http://schemas.openxmlformats.org/drawingml/2006/main" xmlns:p="http://schemas.openxmlformats.org/presentationml/2006/main" xmlns:r="http://schemas.openxmlformats.org/officeDocument/2006/relationships">
   <p:cSld>
     <p:spTree>
       <p:nvGrpSpPr>
@@ -3755,11 +3748,6 @@
               </a:rPr>
               <a:t>Copyright © 2021 by Elephant Scale, All Rights Reserved</a:t>
             </a:r>
-            <a:endParaRPr sz="800">
-              <a:solidFill>
-                <a:srgbClr val="000000"/>
-              </a:solidFill>
-            </a:endParaRPr>
           </a:p>
         </p:txBody>
       </p:sp>
@@ -3772,7 +3760,7 @@
           <p:nvPr/>
         </p:nvPicPr>
         <p:blipFill>
-          <a:blip r:embed="rId1"/>
+          <a:blip r:embed="rId2"/>
           <a:stretch>
             <a:fillRect/>
           </a:stretch>
@@ -4038,8 +4026,13 @@
           <a:headEnd type="none" w="med" len="med"/>
           <a:tailEnd type="none" w="med" len="med"/>
         </a:ln>
+        <a:effectLst/>
       </a:spPr>
-      <a:bodyPr vert="horz" wrap="square" lIns="91440" tIns="45720" rIns="91440" bIns="45720" numCol="1" anchor="t" anchorCtr="0" compatLnSpc="1"/>
+      <a:bodyPr vert="horz" wrap="square" lIns="91440" tIns="45720" rIns="91440" bIns="45720" numCol="1" anchor="t" anchorCtr="0" compatLnSpc="1">
+        <a:prstTxWarp prst="textNoShape">
+          <a:avLst/>
+        </a:prstTxWarp>
+      </a:bodyPr>
       <a:lstStyle>
         <a:defPPr marL="0" marR="0" indent="0" algn="ctr" defTabSz="914400" rtl="0" eaLnBrk="1" fontAlgn="base" latinLnBrk="0" hangingPunct="1">
           <a:lnSpc>
@@ -4055,6 +4048,7 @@
           <a:buSzTx/>
           <a:buFontTx/>
           <a:buNone/>
+          <a:tabLst/>
           <a:defRPr kumimoji="0" lang="en-US" sz="1000" b="0" i="0" u="none" strike="noStrike" cap="none" normalizeH="0" baseline="0">
             <a:ln>
               <a:noFill/>
@@ -4063,7 +4057,7 @@
               <a:schemeClr val="tx1"/>
             </a:solidFill>
             <a:effectLst/>
-            <a:latin typeface="Garamond" pitchFamily="18" charset="0"/>
+            <a:latin typeface="Garamond" pitchFamily="-110" charset="0"/>
           </a:defRPr>
         </a:defPPr>
       </a:lstStyle>
@@ -4094,8 +4088,13 @@
           <a:headEnd type="none" w="med" len="med"/>
           <a:tailEnd type="none" w="med" len="med"/>
         </a:ln>
+        <a:effectLst/>
       </a:spPr>
-      <a:bodyPr vert="horz" wrap="square" lIns="91440" tIns="45720" rIns="91440" bIns="45720" numCol="1" anchor="t" anchorCtr="0" compatLnSpc="1"/>
+      <a:bodyPr vert="horz" wrap="square" lIns="91440" tIns="45720" rIns="91440" bIns="45720" numCol="1" anchor="t" anchorCtr="0" compatLnSpc="1">
+        <a:prstTxWarp prst="textNoShape">
+          <a:avLst/>
+        </a:prstTxWarp>
+      </a:bodyPr>
       <a:lstStyle>
         <a:defPPr marL="0" marR="0" indent="0" algn="ctr" defTabSz="914400" rtl="0" eaLnBrk="1" fontAlgn="base" latinLnBrk="0" hangingPunct="1">
           <a:lnSpc>
@@ -4111,6 +4110,7 @@
           <a:buSzTx/>
           <a:buFontTx/>
           <a:buNone/>
+          <a:tabLst/>
           <a:defRPr kumimoji="0" lang="en-US" sz="1000" b="0" i="0" u="none" strike="noStrike" cap="none" normalizeH="0" baseline="0">
             <a:ln>
               <a:noFill/>
@@ -4119,7 +4119,7 @@
               <a:schemeClr val="tx1"/>
             </a:solidFill>
             <a:effectLst/>
-            <a:latin typeface="Garamond" pitchFamily="18" charset="0"/>
+            <a:latin typeface="Garamond" pitchFamily="-110" charset="0"/>
           </a:defRPr>
         </a:defPPr>
       </a:lstStyle>
@@ -4414,11 +4414,6 @@
       <a:clrMap bg1="dk2" tx1="lt1" bg2="dk1" tx2="lt2" accent1="accent1" accent2="accent2" accent3="accent3" accent4="accent4" accent5="accent5" accent6="accent6" hlink="hlink" folHlink="folHlink"/>
     </a:extraClrScheme>
   </a:extraClrSchemeLst>
-  <a:extLst>
-    <a:ext uri="{05A4C25C-085E-4340-85A3-A5531E510DB2}">
-      <thm15:themeFamily xmlns:thm15="http://schemas.microsoft.com/office/thememl/2012/main" name="Office Theme" id="{62F939B6-93AF-4DB8-9C6B-D6C7DFDC589F}" vid="{4A3C46E8-61CC-4603-A589-7422A47A8E4A}"/>
-    </a:ext>
-  </a:extLst>
 </a:theme>
 </file>
 
@@ -4736,11 +4731,7 @@
       </a:style>
     </a:lnDef>
   </a:objectDefaults>
-  <a:extLst>
-    <a:ext uri="{05A4C25C-085E-4340-85A3-A5531E510DB2}">
-      <thm15:themeFamily xmlns:thm15="http://schemas.microsoft.com/office/thememl/2012/main" name="Office Theme" id="{62F939B6-93AF-4DB8-9C6B-D6C7DFDC589F}" vid="{4A3C46E8-61CC-4603-A589-7422A47A8E4A}"/>
-    </a:ext>
-  </a:extLst>
+  <a:extraClrSchemeLst/>
 </a:theme>
 </file>
 
@@ -5058,10 +5049,6 @@
       </a:style>
     </a:lnDef>
   </a:objectDefaults>
-  <a:extLst>
-    <a:ext uri="{05A4C25C-085E-4340-85A3-A5531E510DB2}">
-      <thm15:themeFamily xmlns:thm15="http://schemas.microsoft.com/office/thememl/2012/main" name="Office Theme" id="{62F939B6-93AF-4DB8-9C6B-D6C7DFDC589F}" vid="{4A3C46E8-61CC-4603-A589-7422A47A8E4A}"/>
-    </a:ext>
-  </a:extLst>
+  <a:extraClrSchemeLst/>
 </a:theme>
 </file>
--- a/cybersecurity-iacs/slides/delivery/02__About-Cyber-IACS.pptx
+++ b/cybersecurity-iacs/slides/delivery/02__About-Cyber-IACS.pptx
@@ -21,6 +21,7 @@
     <p:sldId id="263" r:id="rId16"/>
     <p:sldId id="264" r:id="rId17"/>
     <p:sldId id="265" r:id="rId18"/>
+    <p:sldId id="266" r:id="rId19"/>
   </p:sldIdLst>
   <p:sldSz cx="9372600" cy="8297863"/>
   <p:notesSz cx="7315200" cy="9601200"/>
@@ -2502,6 +2503,128 @@
 </file>
 
 <file path=ppt/slides/slide10.xml><?xml version="1.0" encoding="utf-8"?>
+<p:sld xmlns:a="http://schemas.openxmlformats.org/drawingml/2006/main" xmlns:p="http://schemas.openxmlformats.org/presentationml/2006/main" xmlns:r="http://schemas.openxmlformats.org/officeDocument/2006/relationships">
+  <p:cSld>
+    <p:spTree>
+      <p:nvGrpSpPr>
+        <p:cNvPr id="1" name=""/>
+        <p:cNvGrpSpPr/>
+        <p:nvPr/>
+      </p:nvGrpSpPr>
+      <p:grpSpPr/>
+      <p:sp>
+        <p:nvSpPr>
+          <p:cNvPr id="2" name="Title 1"/>
+          <p:cNvSpPr>
+            <a:spLocks noGrp="1"/>
+          </p:cNvSpPr>
+          <p:nvPr>
+            <p:ph type="title"/>
+          </p:nvPr>
+        </p:nvSpPr>
+        <p:spPr/>
+        <p:txBody>
+          <a:bodyPr/>
+          <a:lstStyle/>
+          <a:p>
+            <a:r>
+              <a:t>Your class!</a:t>
+            </a:r>
+          </a:p>
+        </p:txBody>
+      </p:sp>
+      <p:sp>
+        <p:nvSpPr>
+          <p:cNvPr id="3" name="Content Placeholder 2"/>
+          <p:cNvSpPr>
+            <a:spLocks noGrp="1"/>
+          </p:cNvSpPr>
+          <p:nvPr>
+            <p:ph idx="1"/>
+          </p:nvPr>
+        </p:nvSpPr>
+        <p:spPr/>
+        <p:txBody>
+          <a:bodyPr/>
+          <a:lstStyle/>
+          <a:p>
+            <a:r>
+              <a:t> Yes, this is your class. What does this mean? You define the value.</a:t>
+            </a:r>
+          </a:p>
+          <a:p>
+            <a:r>
+              <a:t> What is the most important ingredient of class – your participation!</a:t>
+            </a:r>
+          </a:p>
+          <a:p>
+            <a:r>
+              <a:t> Your feedback and questions are always welcomed.</a:t>
+            </a:r>
+          </a:p>
+          <a:p>
+            <a:r>
+              <a:t> There is no protocol in class. Speak up anytime!</a:t>
+            </a:r>
+          </a:p>
+          <a:p>
+            <a:r>
+              <a:t> We value your comments during and after class. Just email</a:t>
+            </a:r>
+            <a:r>
+              <a:rPr>
+                <a:latin typeface="Courier New"/>
+              </a:rPr>
+              <a:t> mark@elephantscale.com</a:t>
+            </a:r>
+            <a:r>
+              <a:t> .</a:t>
+            </a:r>
+          </a:p>
+        </p:txBody>
+      </p:sp>
+      <p:sp>
+        <p:nvSpPr>
+          <p:cNvPr id="4" name="TextBox 3"/>
+          <p:cNvSpPr txBox="1"/>
+          <p:nvPr/>
+        </p:nvSpPr>
+        <p:spPr>
+          <a:xfrm>
+            <a:off x="704088" y="8065008"/>
+            <a:ext cx="8915400" cy="228600"/>
+          </a:xfrm>
+          <a:prstGeom prst="rect">
+            <a:avLst/>
+          </a:prstGeom>
+          <a:noFill/>
+        </p:spPr>
+        <p:txBody>
+          <a:bodyPr wrap="none">
+            <a:spAutoFit/>
+          </a:bodyPr>
+          <a:lstStyle/>
+          <a:p>
+            <a:r>
+              <a:rPr sz="800">
+                <a:solidFill>
+                  <a:srgbClr val="000000"/>
+                </a:solidFill>
+              </a:rPr>
+              <a:t>Copyright © 2021 by Elephant Scale, All Rights Reserved</a:t>
+            </a:r>
+          </a:p>
+        </p:txBody>
+      </p:sp>
+    </p:spTree>
+  </p:cSld>
+  <p:clrMapOvr>
+    <a:masterClrMapping/>
+  </p:clrMapOvr>
+</p:sld>
+</file>
+
+<file path=ppt/slides/slide11.xml><?xml version="1.0" encoding="utf-8"?>
 <p:sld xmlns:a="http://schemas.openxmlformats.org/drawingml/2006/main" xmlns:p="http://schemas.openxmlformats.org/presentationml/2006/main" xmlns:r="http://schemas.openxmlformats.org/officeDocument/2006/relationships">
   <p:cSld>
     <p:spTree>

--- a/cybersecurity-iacs/slides/delivery/02__About-Cyber-IACS.pptx
+++ b/cybersecurity-iacs/slides/delivery/02__About-Cyber-IACS.pptx
@@ -5,23 +5,23 @@
     <p:sldMasterId id="2147483651" r:id="rId1"/>
   </p:sldMasterIdLst>
   <p:notesMasterIdLst>
-    <p:notesMasterId r:id="rId2"/>
+    <p:notesMasterId r:id="rId13"/>
   </p:notesMasterIdLst>
   <p:handoutMasterIdLst>
-    <p:handoutMasterId r:id="rId3"/>
+    <p:handoutMasterId r:id="rId14"/>
   </p:handoutMasterIdLst>
   <p:sldIdLst>
-    <p:sldId id="256" r:id="rId9"/>
-    <p:sldId id="257" r:id="rId10"/>
-    <p:sldId id="258" r:id="rId11"/>
-    <p:sldId id="259" r:id="rId12"/>
-    <p:sldId id="260" r:id="rId13"/>
-    <p:sldId id="261" r:id="rId14"/>
-    <p:sldId id="262" r:id="rId15"/>
-    <p:sldId id="263" r:id="rId16"/>
-    <p:sldId id="264" r:id="rId17"/>
-    <p:sldId id="265" r:id="rId18"/>
-    <p:sldId id="266" r:id="rId19"/>
+    <p:sldId id="256" r:id="rId2"/>
+    <p:sldId id="257" r:id="rId3"/>
+    <p:sldId id="258" r:id="rId4"/>
+    <p:sldId id="259" r:id="rId5"/>
+    <p:sldId id="260" r:id="rId6"/>
+    <p:sldId id="261" r:id="rId7"/>
+    <p:sldId id="262" r:id="rId8"/>
+    <p:sldId id="263" r:id="rId9"/>
+    <p:sldId id="264" r:id="rId10"/>
+    <p:sldId id="265" r:id="rId11"/>
+    <p:sldId id="266" r:id="rId12"/>
   </p:sldIdLst>
   <p:sldSz cx="9372600" cy="8297863"/>
   <p:notesSz cx="7315200" cy="9601200"/>
@@ -189,9 +189,7 @@
   <p:cmAuthor id="2" name="Mark Kerzner" initials="MK" lastIdx="6" clrIdx="1"/>
   <p:cmAuthor id="3" name="Mary Beth Conlee" initials="MBC" lastIdx="7" clrIdx="2"/>
   <p:cmAuthor id="4" name="Michelle" initials="M" lastIdx="5" clrIdx="3"/>
-  <p:cmAuthor id="5" name="Tricia Murphy" initials="TM" lastIdx="4" clrIdx="4">
-    <p:extLst/>
-  </p:cmAuthor>
+  <p:cmAuthor id="5" name="Tricia Murphy" initials="TM" lastIdx="4" clrIdx="4"/>
 </p:cmAuthorLst>
 </file>
 
@@ -761,7 +759,7 @@
 </file>
 
 <file path=ppt/notesSlides/notesSlide1.xml><?xml version="1.0" encoding="utf-8"?>
-<p:notes xmlns:a="http://schemas.openxmlformats.org/drawingml/2006/main" xmlns:p="http://schemas.openxmlformats.org/presentationml/2006/main" xmlns:r="http://schemas.openxmlformats.org/officeDocument/2006/relationships">
+<p:notes xmlns:a="http://schemas.openxmlformats.org/drawingml/2006/main" xmlns:r="http://schemas.openxmlformats.org/officeDocument/2006/relationships" xmlns:p="http://schemas.openxmlformats.org/presentationml/2006/main">
   <p:cSld>
     <p:spTree>
       <p:nvGrpSpPr>
@@ -781,34 +779,34 @@
         <p:nvSpPr>
           <p:cNvPr id="2" name="Slide Image Placeholder 1"/>
           <p:cNvSpPr>
+            <a:spLocks noGrp="1" noRot="1" noChangeAspect="1"/>
+          </p:cNvSpPr>
+          <p:nvPr>
+            <p:ph type="sldImg" idx="2"/>
+          </p:nvPr>
+        </p:nvSpPr>
+        <p:spPr/>
+      </p:sp>
+      <p:sp>
+        <p:nvSpPr>
+          <p:cNvPr id="3" name="Slide Number Placeholder 2"/>
+          <p:cNvSpPr>
             <a:spLocks noGrp="1"/>
           </p:cNvSpPr>
           <p:nvPr>
-            <p:ph type="sldImg" idx="2"/>
+            <p:ph type="sldNum" sz="quarter" idx="5"/>
           </p:nvPr>
         </p:nvSpPr>
         <p:spPr/>
       </p:sp>
       <p:sp>
         <p:nvSpPr>
-          <p:cNvPr id="3" name="Slide Number Placeholder 2"/>
+          <p:cNvPr id="4" name="Notes Placeholder 3"/>
           <p:cNvSpPr>
             <a:spLocks noGrp="1"/>
           </p:cNvSpPr>
           <p:nvPr>
-            <p:ph type="sldNum" idx="5" sz="quarter"/>
-          </p:nvPr>
-        </p:nvSpPr>
-        <p:spPr/>
-      </p:sp>
-      <p:sp>
-        <p:nvSpPr>
-          <p:cNvPr id="4" name="Notes Placeholder 3"/>
-          <p:cNvSpPr>
-            <a:spLocks noGrp="1"/>
-          </p:cNvSpPr>
-          <p:nvPr>
-            <p:ph type="body" idx="3" sz="quarter"/>
+            <p:ph type="body" sz="quarter" idx="3"/>
           </p:nvPr>
         </p:nvSpPr>
         <p:spPr/>
@@ -831,7 +829,7 @@
 </file>
 
 <file path=ppt/notesSlides/notesSlide2.xml><?xml version="1.0" encoding="utf-8"?>
-<p:notes xmlns:a="http://schemas.openxmlformats.org/drawingml/2006/main" xmlns:p="http://schemas.openxmlformats.org/presentationml/2006/main" xmlns:r="http://schemas.openxmlformats.org/officeDocument/2006/relationships">
+<p:notes xmlns:a="http://schemas.openxmlformats.org/drawingml/2006/main" xmlns:r="http://schemas.openxmlformats.org/officeDocument/2006/relationships" xmlns:p="http://schemas.openxmlformats.org/presentationml/2006/main">
   <p:cSld>
     <p:spTree>
       <p:nvGrpSpPr>
@@ -851,34 +849,34 @@
         <p:nvSpPr>
           <p:cNvPr id="2" name="Slide Image Placeholder 1"/>
           <p:cNvSpPr>
+            <a:spLocks noGrp="1" noRot="1" noChangeAspect="1"/>
+          </p:cNvSpPr>
+          <p:nvPr>
+            <p:ph type="sldImg" idx="2"/>
+          </p:nvPr>
+        </p:nvSpPr>
+        <p:spPr/>
+      </p:sp>
+      <p:sp>
+        <p:nvSpPr>
+          <p:cNvPr id="3" name="Slide Number Placeholder 2"/>
+          <p:cNvSpPr>
             <a:spLocks noGrp="1"/>
           </p:cNvSpPr>
           <p:nvPr>
-            <p:ph type="sldImg" idx="2"/>
+            <p:ph type="sldNum" sz="quarter" idx="5"/>
           </p:nvPr>
         </p:nvSpPr>
         <p:spPr/>
       </p:sp>
       <p:sp>
         <p:nvSpPr>
-          <p:cNvPr id="3" name="Slide Number Placeholder 2"/>
+          <p:cNvPr id="4" name="Notes Placeholder 3"/>
           <p:cNvSpPr>
             <a:spLocks noGrp="1"/>
           </p:cNvSpPr>
           <p:nvPr>
-            <p:ph type="sldNum" idx="5" sz="quarter"/>
-          </p:nvPr>
-        </p:nvSpPr>
-        <p:spPr/>
-      </p:sp>
-      <p:sp>
-        <p:nvSpPr>
-          <p:cNvPr id="4" name="Notes Placeholder 3"/>
-          <p:cNvSpPr>
-            <a:spLocks noGrp="1"/>
-          </p:cNvSpPr>
-          <p:nvPr>
-            <p:ph type="body" idx="3" sz="quarter"/>
+            <p:ph type="body" sz="quarter" idx="3"/>
           </p:nvPr>
         </p:nvSpPr>
         <p:spPr/>
@@ -2414,7 +2412,7 @@
 </file>
 
 <file path=ppt/slides/slide1.xml><?xml version="1.0" encoding="utf-8"?>
-<p:sld xmlns:a="http://schemas.openxmlformats.org/drawingml/2006/main" xmlns:p="http://schemas.openxmlformats.org/presentationml/2006/main" xmlns:r="http://schemas.openxmlformats.org/officeDocument/2006/relationships">
+<p:sld xmlns:a="http://schemas.openxmlformats.org/drawingml/2006/main" xmlns:r="http://schemas.openxmlformats.org/officeDocument/2006/relationships" xmlns:p="http://schemas.openxmlformats.org/presentationml/2006/main">
   <p:cSld>
     <p:spTree>
       <p:nvGrpSpPr>
@@ -2422,7 +2420,14 @@
         <p:cNvGrpSpPr/>
         <p:nvPr/>
       </p:nvGrpSpPr>
-      <p:grpSpPr/>
+      <p:grpSpPr>
+        <a:xfrm>
+          <a:off x="0" y="0"/>
+          <a:ext cx="0" cy="0"/>
+          <a:chOff x="0" y="0"/>
+          <a:chExt cx="0" cy="0"/>
+        </a:xfrm>
+      </p:grpSpPr>
       <p:sp>
         <p:nvSpPr>
           <p:cNvPr id="2" name="Subtitle 1"/>
@@ -2430,14 +2435,16 @@
             <a:spLocks noGrp="1"/>
           </p:cNvSpPr>
           <p:nvPr>
-            <p:ph type="subTitle" idx="1" sz="quarter"/>
+            <p:ph type="subTitle" sz="quarter" idx="1"/>
           </p:nvPr>
         </p:nvSpPr>
         <p:spPr/>
         <p:txBody>
           <a:bodyPr/>
           <a:lstStyle/>
-          <a:p/>
+          <a:p>
+            <a:endParaRPr/>
+          </a:p>
         </p:txBody>
       </p:sp>
       <p:sp>
@@ -2452,10 +2459,15 @@
         </p:nvSpPr>
         <p:spPr/>
         <p:txBody>
-          <a:bodyPr/>
+          <a:bodyPr wrap="square">
+            <a:noAutofit/>
+          </a:bodyPr>
           <a:lstStyle/>
           <a:p>
             <a:r>
+              <a:rPr sz="4200" b="1" i="0">
+                <a:latin typeface="Times New Roman"/>
+              </a:rPr>
               <a:t>About Cyber-IACS</a:t>
             </a:r>
           </a:p>
@@ -2503,7 +2515,7 @@
 </file>
 
 <file path=ppt/slides/slide10.xml><?xml version="1.0" encoding="utf-8"?>
-<p:sld xmlns:a="http://schemas.openxmlformats.org/drawingml/2006/main" xmlns:p="http://schemas.openxmlformats.org/presentationml/2006/main" xmlns:r="http://schemas.openxmlformats.org/officeDocument/2006/relationships">
+<p:sld xmlns:a="http://schemas.openxmlformats.org/drawingml/2006/main" xmlns:r="http://schemas.openxmlformats.org/officeDocument/2006/relationships" xmlns:p="http://schemas.openxmlformats.org/presentationml/2006/main">
   <p:cSld>
     <p:spTree>
       <p:nvGrpSpPr>
@@ -2511,7 +2523,14 @@
         <p:cNvGrpSpPr/>
         <p:nvPr/>
       </p:nvGrpSpPr>
-      <p:grpSpPr/>
+      <p:grpSpPr>
+        <a:xfrm>
+          <a:off x="0" y="0"/>
+          <a:ext cx="0" cy="0"/>
+          <a:chOff x="0" y="0"/>
+          <a:chExt cx="0" cy="0"/>
+        </a:xfrm>
+      </p:grpSpPr>
       <p:sp>
         <p:nvSpPr>
           <p:cNvPr id="2" name="Title 1"/>
@@ -2625,7 +2644,7 @@
 </file>
 
 <file path=ppt/slides/slide11.xml><?xml version="1.0" encoding="utf-8"?>
-<p:sld xmlns:a="http://schemas.openxmlformats.org/drawingml/2006/main" xmlns:p="http://schemas.openxmlformats.org/presentationml/2006/main" xmlns:r="http://schemas.openxmlformats.org/officeDocument/2006/relationships">
+<p:sld xmlns:a="http://schemas.openxmlformats.org/drawingml/2006/main" xmlns:r="http://schemas.openxmlformats.org/officeDocument/2006/relationships" xmlns:p="http://schemas.openxmlformats.org/presentationml/2006/main">
   <p:cSld>
     <p:spTree>
       <p:nvGrpSpPr>
@@ -2633,7 +2652,14 @@
         <p:cNvGrpSpPr/>
         <p:nvPr/>
       </p:nvGrpSpPr>
-      <p:grpSpPr/>
+      <p:grpSpPr>
+        <a:xfrm>
+          <a:off x="0" y="0"/>
+          <a:ext cx="0" cy="0"/>
+          <a:chOff x="0" y="0"/>
+          <a:chExt cx="0" cy="0"/>
+        </a:xfrm>
+      </p:grpSpPr>
       <p:sp>
         <p:nvSpPr>
           <p:cNvPr id="2" name="Title 1"/>
@@ -2709,11 +2735,21 @@
               <a:t> Something non-technical about you!(favorite ice cream flavor or hobby…)</a:t>
             </a:r>
           </a:p>
-          <a:p/>
-          <a:p/>
-          <a:p/>
-          <a:p/>
-          <a:p/>
+          <a:p>
+            <a:endParaRPr/>
+          </a:p>
+          <a:p>
+            <a:endParaRPr/>
+          </a:p>
+          <a:p>
+            <a:endParaRPr/>
+          </a:p>
+          <a:p>
+            <a:endParaRPr/>
+          </a:p>
+          <a:p>
+            <a:endParaRPr/>
+          </a:p>
         </p:txBody>
       </p:sp>
       <p:sp>
@@ -2806,7 +2842,7 @@
 </file>
 
 <file path=ppt/slides/slide2.xml><?xml version="1.0" encoding="utf-8"?>
-<p:sld xmlns:a="http://schemas.openxmlformats.org/drawingml/2006/main" xmlns:p="http://schemas.openxmlformats.org/presentationml/2006/main" xmlns:r="http://schemas.openxmlformats.org/officeDocument/2006/relationships">
+<p:sld xmlns:a="http://schemas.openxmlformats.org/drawingml/2006/main" xmlns:r="http://schemas.openxmlformats.org/officeDocument/2006/relationships" xmlns:p="http://schemas.openxmlformats.org/presentationml/2006/main">
   <p:cSld>
     <p:spTree>
       <p:nvGrpSpPr>
@@ -2814,7 +2850,14 @@
         <p:cNvGrpSpPr/>
         <p:nvPr/>
       </p:nvGrpSpPr>
-      <p:grpSpPr/>
+      <p:grpSpPr>
+        <a:xfrm>
+          <a:off x="0" y="0"/>
+          <a:ext cx="0" cy="0"/>
+          <a:chOff x="0" y="0"/>
+          <a:chExt cx="0" cy="0"/>
+        </a:xfrm>
+      </p:grpSpPr>
       <p:sp>
         <p:nvSpPr>
           <p:cNvPr id="2" name="Title 1"/>
@@ -2850,10 +2893,18 @@
         <p:txBody>
           <a:bodyPr/>
           <a:lstStyle/>
-          <a:p/>
-          <a:p/>
-          <a:p/>
-          <a:p/>
+          <a:p>
+            <a:endParaRPr/>
+          </a:p>
+          <a:p>
+            <a:endParaRPr/>
+          </a:p>
+          <a:p>
+            <a:endParaRPr/>
+          </a:p>
+          <a:p>
+            <a:endParaRPr/>
+          </a:p>
         </p:txBody>
       </p:sp>
       <p:sp>
@@ -2895,11 +2946,17 @@
           <p:cNvGraphicFramePr>
             <a:graphicFrameLocks noGrp="1"/>
           </p:cNvGraphicFramePr>
-          <p:nvPr/>
+          <p:nvPr>
+            <p:extLst>
+              <p:ext uri="{D42A27DB-BD31-4B8C-83A1-F6EECF244321}">
+                <p14:modId xmlns:p14="http://schemas.microsoft.com/office/powerpoint/2010/main" val="3717513131"/>
+              </p:ext>
+            </p:extLst>
+          </p:nvPr>
         </p:nvGraphicFramePr>
         <p:xfrm>
           <a:off x="237744" y="914400"/>
-          <a:ext cx="8915400" cy="1371600"/>
+          <a:ext cx="8915400" cy="2560320"/>
         </p:xfrm>
         <a:graphic>
           <a:graphicData uri="http://schemas.openxmlformats.org/drawingml/2006/table">
@@ -2908,9 +2965,27 @@
                 <a:tableStyleId>{5C22544A-7EE6-4342-B048-85BDC9FD1C3A}</a:tableStyleId>
               </a:tblPr>
               <a:tblGrid>
-                <a:gridCol w="2971800"/>
-                <a:gridCol w="2971800"/>
-                <a:gridCol w="2971800"/>
+                <a:gridCol w="1171956">
+                  <a:extLst>
+                    <a:ext uri="{9D8B030D-6E8A-4147-A177-3AD203B41FA5}">
+                      <a16:colId xmlns:a16="http://schemas.microsoft.com/office/drawing/2014/main" val="20000"/>
+                    </a:ext>
+                  </a:extLst>
+                </a:gridCol>
+                <a:gridCol w="2514600">
+                  <a:extLst>
+                    <a:ext uri="{9D8B030D-6E8A-4147-A177-3AD203B41FA5}">
+                      <a16:colId xmlns:a16="http://schemas.microsoft.com/office/drawing/2014/main" val="20001"/>
+                    </a:ext>
+                  </a:extLst>
+                </a:gridCol>
+                <a:gridCol w="5228844">
+                  <a:extLst>
+                    <a:ext uri="{9D8B030D-6E8A-4147-A177-3AD203B41FA5}">
+                      <a16:colId xmlns:a16="http://schemas.microsoft.com/office/drawing/2014/main" val="20002"/>
+                    </a:ext>
+                  </a:extLst>
+                </a:gridCol>
               </a:tblGrid>
               <a:tr h="457200">
                 <a:tc>
@@ -2949,6 +3024,11 @@
                   </a:txBody>
                   <a:tcPr/>
                 </a:tc>
+                <a:extLst>
+                  <a:ext uri="{0D108BD9-81ED-4DB2-BD59-A6C34878D82A}">
+                    <a16:rowId xmlns:a16="http://schemas.microsoft.com/office/drawing/2014/main" val="10000"/>
+                  </a:ext>
+                </a:extLst>
               </a:tr>
               <a:tr h="457200">
                 <a:tc>
@@ -2981,12 +3061,25 @@
                     <a:lstStyle/>
                     <a:p>
                       <a:r>
-                        <a:t>Industrial Automation and Control Systems (IACS) and security, * The role of managers, hackers, and developers</a:t>
+                        <a:rPr dirty="0"/>
+                        <a:t>Industrial Automation and Control Systems (IACS) and security, </a:t>
+                      </a:r>
+                      <a:endParaRPr lang="en-US" dirty="0"/>
+                    </a:p>
+                    <a:p>
+                      <a:r>
+                        <a:rPr dirty="0"/>
+                        <a:t>The role of managers, hackers, and developers</a:t>
                       </a:r>
                     </a:p>
                   </a:txBody>
                   <a:tcPr/>
                 </a:tc>
+                <a:extLst>
+                  <a:ext uri="{0D108BD9-81ED-4DB2-BD59-A6C34878D82A}">
+                    <a16:rowId xmlns:a16="http://schemas.microsoft.com/office/drawing/2014/main" val="10001"/>
+                  </a:ext>
+                </a:extLst>
               </a:tr>
               <a:tr h="457200">
                 <a:tc>
@@ -3019,12 +3112,40 @@
                     <a:lstStyle/>
                     <a:p>
                       <a:r>
-                        <a:t>Security design principals, * Cryptography * Software Development Lifecycle (SDLC), IEC62443 standards</a:t>
+                        <a:rPr dirty="0"/>
+                        <a:t>Security design princip</a:t>
+                      </a:r>
+                      <a:r>
+                        <a:rPr lang="en-US" dirty="0"/>
+                        <a:t>le</a:t>
+                      </a:r>
+                      <a:r>
+                        <a:rPr dirty="0"/>
+                        <a:t>s</a:t>
+                      </a:r>
+                      <a:endParaRPr lang="en-US" dirty="0"/>
+                    </a:p>
+                    <a:p>
+                      <a:r>
+                        <a:rPr dirty="0"/>
+                        <a:t>Cryptography</a:t>
+                      </a:r>
+                      <a:endParaRPr lang="en-US" dirty="0"/>
+                    </a:p>
+                    <a:p>
+                      <a:r>
+                        <a:rPr dirty="0"/>
+                        <a:t>Software Development Lifecycle (SDLC), IEC62443 standards</a:t>
                       </a:r>
                     </a:p>
                   </a:txBody>
                   <a:tcPr/>
                 </a:tc>
+                <a:extLst>
+                  <a:ext uri="{0D108BD9-81ED-4DB2-BD59-A6C34878D82A}">
+                    <a16:rowId xmlns:a16="http://schemas.microsoft.com/office/drawing/2014/main" val="10002"/>
+                  </a:ext>
+                </a:extLst>
               </a:tr>
             </a:tbl>
           </a:graphicData>
@@ -3039,7 +3160,7 @@
 </file>
 
 <file path=ppt/slides/slide3.xml><?xml version="1.0" encoding="utf-8"?>
-<p:sld xmlns:a="http://schemas.openxmlformats.org/drawingml/2006/main" xmlns:p="http://schemas.openxmlformats.org/presentationml/2006/main" xmlns:r="http://schemas.openxmlformats.org/officeDocument/2006/relationships">
+<p:sld xmlns:a="http://schemas.openxmlformats.org/drawingml/2006/main" xmlns:r="http://schemas.openxmlformats.org/officeDocument/2006/relationships" xmlns:p="http://schemas.openxmlformats.org/presentationml/2006/main">
   <p:cSld>
     <p:spTree>
       <p:nvGrpSpPr>
@@ -3047,7 +3168,14 @@
         <p:cNvGrpSpPr/>
         <p:nvPr/>
       </p:nvGrpSpPr>
-      <p:grpSpPr/>
+      <p:grpSpPr>
+        <a:xfrm>
+          <a:off x="0" y="0"/>
+          <a:ext cx="0" cy="0"/>
+          <a:chOff x="0" y="0"/>
+          <a:chExt cx="0" cy="0"/>
+        </a:xfrm>
+      </p:grpSpPr>
       <p:sp>
         <p:nvSpPr>
           <p:cNvPr id="2" name="Title 1"/>
@@ -3171,7 +3299,7 @@
 </file>
 
 <file path=ppt/slides/slide4.xml><?xml version="1.0" encoding="utf-8"?>
-<p:sld xmlns:a="http://schemas.openxmlformats.org/drawingml/2006/main" xmlns:p="http://schemas.openxmlformats.org/presentationml/2006/main" xmlns:r="http://schemas.openxmlformats.org/officeDocument/2006/relationships">
+<p:sld xmlns:a="http://schemas.openxmlformats.org/drawingml/2006/main" xmlns:r="http://schemas.openxmlformats.org/officeDocument/2006/relationships" xmlns:p="http://schemas.openxmlformats.org/presentationml/2006/main">
   <p:cSld>
     <p:spTree>
       <p:nvGrpSpPr>
@@ -3179,7 +3307,14 @@
         <p:cNvGrpSpPr/>
         <p:nvPr/>
       </p:nvGrpSpPr>
-      <p:grpSpPr/>
+      <p:grpSpPr>
+        <a:xfrm>
+          <a:off x="0" y="0"/>
+          <a:ext cx="0" cy="0"/>
+          <a:chOff x="0" y="0"/>
+          <a:chExt cx="0" cy="0"/>
+        </a:xfrm>
+      </p:grpSpPr>
       <p:sp>
         <p:nvSpPr>
           <p:cNvPr id="2" name="Title 1"/>
@@ -3279,7 +3414,7 @@
 </file>
 
 <file path=ppt/slides/slide5.xml><?xml version="1.0" encoding="utf-8"?>
-<p:sld xmlns:a="http://schemas.openxmlformats.org/drawingml/2006/main" xmlns:p="http://schemas.openxmlformats.org/presentationml/2006/main" xmlns:r="http://schemas.openxmlformats.org/officeDocument/2006/relationships">
+<p:sld xmlns:a="http://schemas.openxmlformats.org/drawingml/2006/main" xmlns:r="http://schemas.openxmlformats.org/officeDocument/2006/relationships" xmlns:p="http://schemas.openxmlformats.org/presentationml/2006/main">
   <p:cSld>
     <p:spTree>
       <p:nvGrpSpPr>
@@ -3287,7 +3422,14 @@
         <p:cNvGrpSpPr/>
         <p:nvPr/>
       </p:nvGrpSpPr>
-      <p:grpSpPr/>
+      <p:grpSpPr>
+        <a:xfrm>
+          <a:off x="0" y="0"/>
+          <a:ext cx="0" cy="0"/>
+          <a:chOff x="0" y="0"/>
+          <a:chExt cx="0" cy="0"/>
+        </a:xfrm>
+      </p:grpSpPr>
       <p:sp>
         <p:nvSpPr>
           <p:cNvPr id="2" name="Title 1"/>
@@ -3328,19 +3470,45 @@
               <a:t> Where is the ANY key?</a:t>
             </a:r>
           </a:p>
-          <a:p/>
-          <a:p/>
-          <a:p/>
-          <a:p/>
-          <a:p/>
-          <a:p/>
-          <a:p/>
-          <a:p/>
-          <a:p/>
-          <a:p/>
-          <a:p/>
-          <a:p/>
-          <a:p/>
+          <a:p>
+            <a:endParaRPr/>
+          </a:p>
+          <a:p>
+            <a:endParaRPr/>
+          </a:p>
+          <a:p>
+            <a:endParaRPr/>
+          </a:p>
+          <a:p>
+            <a:endParaRPr/>
+          </a:p>
+          <a:p>
+            <a:endParaRPr/>
+          </a:p>
+          <a:p>
+            <a:endParaRPr/>
+          </a:p>
+          <a:p>
+            <a:endParaRPr/>
+          </a:p>
+          <a:p>
+            <a:endParaRPr/>
+          </a:p>
+          <a:p>
+            <a:endParaRPr/>
+          </a:p>
+          <a:p>
+            <a:endParaRPr/>
+          </a:p>
+          <a:p>
+            <a:endParaRPr/>
+          </a:p>
+          <a:p>
+            <a:endParaRPr/>
+          </a:p>
+          <a:p>
+            <a:endParaRPr/>
+          </a:p>
         </p:txBody>
       </p:sp>
       <p:sp>
@@ -3409,7 +3577,7 @@
 </file>
 
 <file path=ppt/slides/slide6.xml><?xml version="1.0" encoding="utf-8"?>
-<p:sld xmlns:a="http://schemas.openxmlformats.org/drawingml/2006/main" xmlns:p="http://schemas.openxmlformats.org/presentationml/2006/main" xmlns:r="http://schemas.openxmlformats.org/officeDocument/2006/relationships">
+<p:sld xmlns:a="http://schemas.openxmlformats.org/drawingml/2006/main" xmlns:r="http://schemas.openxmlformats.org/officeDocument/2006/relationships" xmlns:p="http://schemas.openxmlformats.org/presentationml/2006/main">
   <p:cSld>
     <p:spTree>
       <p:nvGrpSpPr>
@@ -3417,7 +3585,14 @@
         <p:cNvGrpSpPr/>
         <p:nvPr/>
       </p:nvGrpSpPr>
-      <p:grpSpPr/>
+      <p:grpSpPr>
+        <a:xfrm>
+          <a:off x="0" y="0"/>
+          <a:ext cx="0" cy="0"/>
+          <a:chOff x="0" y="0"/>
+          <a:chExt cx="0" cy="0"/>
+        </a:xfrm>
+      </p:grpSpPr>
       <p:sp>
         <p:nvSpPr>
           <p:cNvPr id="2" name="Title 1"/>
@@ -3453,20 +3628,48 @@
         <p:txBody>
           <a:bodyPr/>
           <a:lstStyle/>
-          <a:p/>
-          <a:p/>
-          <a:p/>
-          <a:p/>
-          <a:p/>
-          <a:p/>
-          <a:p/>
-          <a:p/>
-          <a:p/>
-          <a:p/>
-          <a:p/>
-          <a:p/>
-          <a:p/>
-          <a:p/>
+          <a:p>
+            <a:endParaRPr/>
+          </a:p>
+          <a:p>
+            <a:endParaRPr/>
+          </a:p>
+          <a:p>
+            <a:endParaRPr/>
+          </a:p>
+          <a:p>
+            <a:endParaRPr/>
+          </a:p>
+          <a:p>
+            <a:endParaRPr/>
+          </a:p>
+          <a:p>
+            <a:endParaRPr/>
+          </a:p>
+          <a:p>
+            <a:endParaRPr/>
+          </a:p>
+          <a:p>
+            <a:endParaRPr/>
+          </a:p>
+          <a:p>
+            <a:endParaRPr/>
+          </a:p>
+          <a:p>
+            <a:endParaRPr/>
+          </a:p>
+          <a:p>
+            <a:endParaRPr/>
+          </a:p>
+          <a:p>
+            <a:endParaRPr/>
+          </a:p>
+          <a:p>
+            <a:endParaRPr/>
+          </a:p>
+          <a:p>
+            <a:endParaRPr/>
+          </a:p>
         </p:txBody>
       </p:sp>
       <p:sp>
@@ -3535,7 +3738,7 @@
 </file>
 
 <file path=ppt/slides/slide7.xml><?xml version="1.0" encoding="utf-8"?>
-<p:sld xmlns:a="http://schemas.openxmlformats.org/drawingml/2006/main" xmlns:p="http://schemas.openxmlformats.org/presentationml/2006/main" xmlns:r="http://schemas.openxmlformats.org/officeDocument/2006/relationships">
+<p:sld xmlns:a="http://schemas.openxmlformats.org/drawingml/2006/main" xmlns:r="http://schemas.openxmlformats.org/officeDocument/2006/relationships" xmlns:p="http://schemas.openxmlformats.org/presentationml/2006/main">
   <p:cSld>
     <p:spTree>
       <p:nvGrpSpPr>
@@ -3543,7 +3746,14 @@
         <p:cNvGrpSpPr/>
         <p:nvPr/>
       </p:nvGrpSpPr>
-      <p:grpSpPr/>
+      <p:grpSpPr>
+        <a:xfrm>
+          <a:off x="0" y="0"/>
+          <a:ext cx="0" cy="0"/>
+          <a:chOff x="0" y="0"/>
+          <a:chExt cx="0" cy="0"/>
+        </a:xfrm>
+      </p:grpSpPr>
       <p:sp>
         <p:nvSpPr>
           <p:cNvPr id="2" name="Title 1"/>
@@ -3579,20 +3789,48 @@
         <p:txBody>
           <a:bodyPr/>
           <a:lstStyle/>
-          <a:p/>
-          <a:p/>
-          <a:p/>
-          <a:p/>
-          <a:p/>
-          <a:p/>
-          <a:p/>
-          <a:p/>
-          <a:p/>
-          <a:p/>
-          <a:p/>
-          <a:p/>
-          <a:p/>
-          <a:p/>
+          <a:p>
+            <a:endParaRPr/>
+          </a:p>
+          <a:p>
+            <a:endParaRPr/>
+          </a:p>
+          <a:p>
+            <a:endParaRPr/>
+          </a:p>
+          <a:p>
+            <a:endParaRPr/>
+          </a:p>
+          <a:p>
+            <a:endParaRPr/>
+          </a:p>
+          <a:p>
+            <a:endParaRPr/>
+          </a:p>
+          <a:p>
+            <a:endParaRPr/>
+          </a:p>
+          <a:p>
+            <a:endParaRPr/>
+          </a:p>
+          <a:p>
+            <a:endParaRPr/>
+          </a:p>
+          <a:p>
+            <a:endParaRPr/>
+          </a:p>
+          <a:p>
+            <a:endParaRPr/>
+          </a:p>
+          <a:p>
+            <a:endParaRPr/>
+          </a:p>
+          <a:p>
+            <a:endParaRPr/>
+          </a:p>
+          <a:p>
+            <a:endParaRPr/>
+          </a:p>
         </p:txBody>
       </p:sp>
       <p:sp>
@@ -3637,7 +3875,7 @@
           <p:nvPr/>
         </p:nvPicPr>
         <p:blipFill>
-          <a:blip r:embed="rId2"/>
+          <a:blip r:embed="rId3"/>
           <a:stretch>
             <a:fillRect/>
           </a:stretch>
@@ -3661,7 +3899,7 @@
 </file>
 
 <file path=ppt/slides/slide8.xml><?xml version="1.0" encoding="utf-8"?>
-<p:sld xmlns:a="http://schemas.openxmlformats.org/drawingml/2006/main" xmlns:p="http://schemas.openxmlformats.org/presentationml/2006/main" xmlns:r="http://schemas.openxmlformats.org/officeDocument/2006/relationships">
+<p:sld xmlns:a="http://schemas.openxmlformats.org/drawingml/2006/main" xmlns:r="http://schemas.openxmlformats.org/officeDocument/2006/relationships" xmlns:p="http://schemas.openxmlformats.org/presentationml/2006/main">
   <p:cSld>
     <p:spTree>
       <p:nvGrpSpPr>
@@ -3669,7 +3907,14 @@
         <p:cNvGrpSpPr/>
         <p:nvPr/>
       </p:nvGrpSpPr>
-      <p:grpSpPr/>
+      <p:grpSpPr>
+        <a:xfrm>
+          <a:off x="0" y="0"/>
+          <a:ext cx="0" cy="0"/>
+          <a:chOff x="0" y="0"/>
+          <a:chExt cx="0" cy="0"/>
+        </a:xfrm>
+      </p:grpSpPr>
       <p:sp>
         <p:nvSpPr>
           <p:cNvPr id="2" name="Title 1"/>
@@ -3705,20 +3950,48 @@
         <p:txBody>
           <a:bodyPr/>
           <a:lstStyle/>
-          <a:p/>
-          <a:p/>
-          <a:p/>
-          <a:p/>
-          <a:p/>
-          <a:p/>
-          <a:p/>
-          <a:p/>
-          <a:p/>
-          <a:p/>
-          <a:p/>
-          <a:p/>
-          <a:p/>
-          <a:p/>
+          <a:p>
+            <a:endParaRPr/>
+          </a:p>
+          <a:p>
+            <a:endParaRPr/>
+          </a:p>
+          <a:p>
+            <a:endParaRPr/>
+          </a:p>
+          <a:p>
+            <a:endParaRPr/>
+          </a:p>
+          <a:p>
+            <a:endParaRPr/>
+          </a:p>
+          <a:p>
+            <a:endParaRPr/>
+          </a:p>
+          <a:p>
+            <a:endParaRPr/>
+          </a:p>
+          <a:p>
+            <a:endParaRPr/>
+          </a:p>
+          <a:p>
+            <a:endParaRPr/>
+          </a:p>
+          <a:p>
+            <a:endParaRPr/>
+          </a:p>
+          <a:p>
+            <a:endParaRPr/>
+          </a:p>
+          <a:p>
+            <a:endParaRPr/>
+          </a:p>
+          <a:p>
+            <a:endParaRPr/>
+          </a:p>
+          <a:p>
+            <a:endParaRPr/>
+          </a:p>
         </p:txBody>
       </p:sp>
       <p:sp>
@@ -3763,7 +4036,7 @@
           <p:nvPr/>
         </p:nvPicPr>
         <p:blipFill>
-          <a:blip r:embed="rId2"/>
+          <a:blip r:embed="rId3"/>
           <a:stretch>
             <a:fillRect/>
           </a:stretch>
@@ -3787,7 +4060,7 @@
 </file>
 
 <file path=ppt/slides/slide9.xml><?xml version="1.0" encoding="utf-8"?>
-<p:sld xmlns:a="http://schemas.openxmlformats.org/drawingml/2006/main" xmlns:p="http://schemas.openxmlformats.org/presentationml/2006/main" xmlns:r="http://schemas.openxmlformats.org/officeDocument/2006/relationships">
+<p:sld xmlns:a="http://schemas.openxmlformats.org/drawingml/2006/main" xmlns:r="http://schemas.openxmlformats.org/officeDocument/2006/relationships" xmlns:p="http://schemas.openxmlformats.org/presentationml/2006/main">
   <p:cSld>
     <p:spTree>
       <p:nvGrpSpPr>
@@ -3795,7 +4068,14 @@
         <p:cNvGrpSpPr/>
         <p:nvPr/>
       </p:nvGrpSpPr>
-      <p:grpSpPr/>
+      <p:grpSpPr>
+        <a:xfrm>
+          <a:off x="0" y="0"/>
+          <a:ext cx="0" cy="0"/>
+          <a:chOff x="0" y="0"/>
+          <a:chExt cx="0" cy="0"/>
+        </a:xfrm>
+      </p:grpSpPr>
       <p:sp>
         <p:nvSpPr>
           <p:cNvPr id="2" name="Title 1"/>
@@ -3831,14 +4111,30 @@
         <p:txBody>
           <a:bodyPr/>
           <a:lstStyle/>
-          <a:p/>
-          <a:p/>
-          <a:p/>
-          <a:p/>
-          <a:p/>
-          <a:p/>
-          <a:p/>
-          <a:p/>
+          <a:p>
+            <a:endParaRPr/>
+          </a:p>
+          <a:p>
+            <a:endParaRPr/>
+          </a:p>
+          <a:p>
+            <a:endParaRPr/>
+          </a:p>
+          <a:p>
+            <a:endParaRPr/>
+          </a:p>
+          <a:p>
+            <a:endParaRPr/>
+          </a:p>
+          <a:p>
+            <a:endParaRPr/>
+          </a:p>
+          <a:p>
+            <a:endParaRPr/>
+          </a:p>
+          <a:p>
+            <a:endParaRPr/>
+          </a:p>
         </p:txBody>
       </p:sp>
       <p:sp>
